--- a/Teremfoglalás.pptx
+++ b/Teremfoglalás.pptx
@@ -4,15 +4,19 @@
   <p:sldMasterIdLst>
     <p:sldMasterId id="2147483648" r:id="rId1"/>
   </p:sldMasterIdLst>
+  <p:notesMasterIdLst>
+    <p:notesMasterId r:id="rId11"/>
+  </p:notesMasterIdLst>
   <p:sldIdLst>
     <p:sldId id="256" r:id="rId2"/>
     <p:sldId id="264" r:id="rId3"/>
-    <p:sldId id="257" r:id="rId4"/>
-    <p:sldId id="258" r:id="rId5"/>
-    <p:sldId id="259" r:id="rId6"/>
-    <p:sldId id="261" r:id="rId7"/>
-    <p:sldId id="260" r:id="rId8"/>
-    <p:sldId id="263" r:id="rId9"/>
+    <p:sldId id="265" r:id="rId4"/>
+    <p:sldId id="257" r:id="rId5"/>
+    <p:sldId id="258" r:id="rId6"/>
+    <p:sldId id="259" r:id="rId7"/>
+    <p:sldId id="261" r:id="rId8"/>
+    <p:sldId id="260" r:id="rId9"/>
+    <p:sldId id="263" r:id="rId10"/>
   </p:sldIdLst>
   <p:sldSz cx="12192000" cy="6858000"/>
   <p:notesSz cx="6858000" cy="9144000"/>
@@ -119,6 +123,14 @@
 </p:presentation>
 </file>
 
+<file path=ppt/revisionInfo.xml><?xml version="1.0" encoding="utf-8"?>
+<p1510:revInfo xmlns:a="http://schemas.openxmlformats.org/drawingml/2006/main" xmlns:r="http://schemas.openxmlformats.org/officeDocument/2006/relationships" xmlns:p1510="http://schemas.microsoft.com/office/powerpoint/2015/10/main">
+  <p1510:revLst>
+    <p1510:client id="{A92D5A63-239B-4AC9-9082-BBAF7511BDB8}" v="5" dt="2024-12-14T20:37:43.447"/>
+  </p1510:revLst>
+</p1510:revInfo>
+</file>
+
 <file path=ppt/changesInfos/changesInfo1.xml><?xml version="1.0" encoding="utf-8"?>
 <pc:chgInfo xmlns:a="http://schemas.openxmlformats.org/drawingml/2006/main" xmlns:r="http://schemas.openxmlformats.org/officeDocument/2006/relationships" xmlns:ac="http://schemas.microsoft.com/office/drawing/2013/main/command" xmlns:pc="http://schemas.microsoft.com/office/powerpoint/2013/main/command">
   <pc:docChgLst>
@@ -158,6 +170,195 @@
             <ac:graphicFrameMk id="5" creationId="{E1629890-9AAB-B6B0-2ACE-C5F27590CBAA}"/>
           </ac:graphicFrameMkLst>
         </pc:graphicFrameChg>
+      </pc:sldChg>
+    </pc:docChg>
+  </pc:docChgLst>
+  <pc:docChgLst>
+    <pc:chgData name="Orsolya Kovacs" userId="de54541c73ff2627" providerId="LiveId" clId="{A92D5A63-239B-4AC9-9082-BBAF7511BDB8}"/>
+    <pc:docChg chg="undo custSel addSld delSld modSld">
+      <pc:chgData name="Orsolya Kovacs" userId="de54541c73ff2627" providerId="LiveId" clId="{A92D5A63-239B-4AC9-9082-BBAF7511BDB8}" dt="2024-12-14T20:45:47.491" v="44" actId="14826"/>
+      <pc:docMkLst>
+        <pc:docMk/>
+      </pc:docMkLst>
+      <pc:sldChg chg="addSp delSp modSp mod">
+        <pc:chgData name="Orsolya Kovacs" userId="de54541c73ff2627" providerId="LiveId" clId="{A92D5A63-239B-4AC9-9082-BBAF7511BDB8}" dt="2024-12-14T20:38:51.793" v="34" actId="26606"/>
+        <pc:sldMkLst>
+          <pc:docMk/>
+          <pc:sldMk cId="3817495895" sldId="263"/>
+        </pc:sldMkLst>
+        <pc:spChg chg="mod">
+          <ac:chgData name="Orsolya Kovacs" userId="de54541c73ff2627" providerId="LiveId" clId="{A92D5A63-239B-4AC9-9082-BBAF7511BDB8}" dt="2024-12-14T20:38:51.793" v="34" actId="26606"/>
+          <ac:spMkLst>
+            <pc:docMk/>
+            <pc:sldMk cId="3817495895" sldId="263"/>
+            <ac:spMk id="2" creationId="{311644B1-7BBD-A69A-9644-057AFF01874F}"/>
+          </ac:spMkLst>
+        </pc:spChg>
+        <pc:spChg chg="del">
+          <ac:chgData name="Orsolya Kovacs" userId="de54541c73ff2627" providerId="LiveId" clId="{A92D5A63-239B-4AC9-9082-BBAF7511BDB8}" dt="2024-12-14T20:38:00.474" v="25" actId="26606"/>
+          <ac:spMkLst>
+            <pc:docMk/>
+            <pc:sldMk cId="3817495895" sldId="263"/>
+            <ac:spMk id="19" creationId="{934F1179-B481-4F9E-BCA3-AFB972070F83}"/>
+          </ac:spMkLst>
+        </pc:spChg>
+        <pc:spChg chg="del">
+          <ac:chgData name="Orsolya Kovacs" userId="de54541c73ff2627" providerId="LiveId" clId="{A92D5A63-239B-4AC9-9082-BBAF7511BDB8}" dt="2024-12-14T20:38:00.474" v="25" actId="26606"/>
+          <ac:spMkLst>
+            <pc:docMk/>
+            <pc:sldMk cId="3817495895" sldId="263"/>
+            <ac:spMk id="20" creationId="{827DC2C4-B485-428A-BF4A-472D2967F47F}"/>
+          </ac:spMkLst>
+        </pc:spChg>
+        <pc:spChg chg="del">
+          <ac:chgData name="Orsolya Kovacs" userId="de54541c73ff2627" providerId="LiveId" clId="{A92D5A63-239B-4AC9-9082-BBAF7511BDB8}" dt="2024-12-14T20:38:00.474" v="25" actId="26606"/>
+          <ac:spMkLst>
+            <pc:docMk/>
+            <pc:sldMk cId="3817495895" sldId="263"/>
+            <ac:spMk id="21" creationId="{EE04B5EB-F158-4507-90DD-BD23620C7CC9}"/>
+          </ac:spMkLst>
+        </pc:spChg>
+        <pc:spChg chg="add del">
+          <ac:chgData name="Orsolya Kovacs" userId="de54541c73ff2627" providerId="LiveId" clId="{A92D5A63-239B-4AC9-9082-BBAF7511BDB8}" dt="2024-12-14T20:38:51.793" v="34" actId="26606"/>
+          <ac:spMkLst>
+            <pc:docMk/>
+            <pc:sldMk cId="3817495895" sldId="263"/>
+            <ac:spMk id="26" creationId="{943CAA20-3569-4189-9E48-239A229A86CA}"/>
+          </ac:spMkLst>
+        </pc:spChg>
+        <pc:spChg chg="add del">
+          <ac:chgData name="Orsolya Kovacs" userId="de54541c73ff2627" providerId="LiveId" clId="{A92D5A63-239B-4AC9-9082-BBAF7511BDB8}" dt="2024-12-14T20:38:51.793" v="34" actId="26606"/>
+          <ac:spMkLst>
+            <pc:docMk/>
+            <pc:sldMk cId="3817495895" sldId="263"/>
+            <ac:spMk id="28" creationId="{DA542B6D-E775-4832-91DC-2D20F857813A}"/>
+          </ac:spMkLst>
+        </pc:spChg>
+        <pc:spChg chg="add del">
+          <ac:chgData name="Orsolya Kovacs" userId="de54541c73ff2627" providerId="LiveId" clId="{A92D5A63-239B-4AC9-9082-BBAF7511BDB8}" dt="2024-12-14T20:38:51.788" v="33" actId="26606"/>
+          <ac:spMkLst>
+            <pc:docMk/>
+            <pc:sldMk cId="3817495895" sldId="263"/>
+            <ac:spMk id="33" creationId="{289ED1AA-8684-4D37-B208-8777E1A7780D}"/>
+          </ac:spMkLst>
+        </pc:spChg>
+        <pc:spChg chg="add del">
+          <ac:chgData name="Orsolya Kovacs" userId="de54541c73ff2627" providerId="LiveId" clId="{A92D5A63-239B-4AC9-9082-BBAF7511BDB8}" dt="2024-12-14T20:38:51.788" v="33" actId="26606"/>
+          <ac:spMkLst>
+            <pc:docMk/>
+            <pc:sldMk cId="3817495895" sldId="263"/>
+            <ac:spMk id="35" creationId="{4180E01B-B1F4-437C-807D-1C930718EE64}"/>
+          </ac:spMkLst>
+        </pc:spChg>
+        <pc:spChg chg="add del">
+          <ac:chgData name="Orsolya Kovacs" userId="de54541c73ff2627" providerId="LiveId" clId="{A92D5A63-239B-4AC9-9082-BBAF7511BDB8}" dt="2024-12-14T20:38:51.788" v="33" actId="26606"/>
+          <ac:spMkLst>
+            <pc:docMk/>
+            <pc:sldMk cId="3817495895" sldId="263"/>
+            <ac:spMk id="37" creationId="{41F77738-2AF0-4750-A0C7-F97C2C17590E}"/>
+          </ac:spMkLst>
+        </pc:spChg>
+        <pc:spChg chg="add">
+          <ac:chgData name="Orsolya Kovacs" userId="de54541c73ff2627" providerId="LiveId" clId="{A92D5A63-239B-4AC9-9082-BBAF7511BDB8}" dt="2024-12-14T20:38:51.793" v="34" actId="26606"/>
+          <ac:spMkLst>
+            <pc:docMk/>
+            <pc:sldMk cId="3817495895" sldId="263"/>
+            <ac:spMk id="39" creationId="{1ACA2EA0-FFD3-42EC-9406-B595015ED96E}"/>
+          </ac:spMkLst>
+        </pc:spChg>
+        <pc:spChg chg="add">
+          <ac:chgData name="Orsolya Kovacs" userId="de54541c73ff2627" providerId="LiveId" clId="{A92D5A63-239B-4AC9-9082-BBAF7511BDB8}" dt="2024-12-14T20:38:51.793" v="34" actId="26606"/>
+          <ac:spMkLst>
+            <pc:docMk/>
+            <pc:sldMk cId="3817495895" sldId="263"/>
+            <ac:spMk id="40" creationId="{D5288BCE-665C-472A-8C43-664BCFA31E43}"/>
+          </ac:spMkLst>
+        </pc:spChg>
+        <pc:spChg chg="add">
+          <ac:chgData name="Orsolya Kovacs" userId="de54541c73ff2627" providerId="LiveId" clId="{A92D5A63-239B-4AC9-9082-BBAF7511BDB8}" dt="2024-12-14T20:38:51.793" v="34" actId="26606"/>
+          <ac:spMkLst>
+            <pc:docMk/>
+            <pc:sldMk cId="3817495895" sldId="263"/>
+            <ac:spMk id="41" creationId="{46C57131-53A7-4C1A-BEA8-25F06A06AD29}"/>
+          </ac:spMkLst>
+        </pc:spChg>
+      </pc:sldChg>
+      <pc:sldChg chg="modSp">
+        <pc:chgData name="Orsolya Kovacs" userId="de54541c73ff2627" providerId="LiveId" clId="{A92D5A63-239B-4AC9-9082-BBAF7511BDB8}" dt="2024-12-14T20:37:43.447" v="24" actId="208"/>
+        <pc:sldMkLst>
+          <pc:docMk/>
+          <pc:sldMk cId="3936098148" sldId="264"/>
+        </pc:sldMkLst>
+        <pc:graphicFrameChg chg="mod">
+          <ac:chgData name="Orsolya Kovacs" userId="de54541c73ff2627" providerId="LiveId" clId="{A92D5A63-239B-4AC9-9082-BBAF7511BDB8}" dt="2024-12-14T20:37:43.447" v="24" actId="208"/>
+          <ac:graphicFrameMkLst>
+            <pc:docMk/>
+            <pc:sldMk cId="3936098148" sldId="264"/>
+            <ac:graphicFrameMk id="5" creationId="{E1629890-9AAB-B6B0-2ACE-C5F27590CBAA}"/>
+          </ac:graphicFrameMkLst>
+        </pc:graphicFrameChg>
+      </pc:sldChg>
+      <pc:sldChg chg="new del">
+        <pc:chgData name="Orsolya Kovacs" userId="de54541c73ff2627" providerId="LiveId" clId="{A92D5A63-239B-4AC9-9082-BBAF7511BDB8}" dt="2024-12-14T20:35:47.568" v="1" actId="680"/>
+        <pc:sldMkLst>
+          <pc:docMk/>
+          <pc:sldMk cId="390909284" sldId="265"/>
+        </pc:sldMkLst>
+      </pc:sldChg>
+      <pc:sldChg chg="addSp delSp modSp new mod setBg">
+        <pc:chgData name="Orsolya Kovacs" userId="de54541c73ff2627" providerId="LiveId" clId="{A92D5A63-239B-4AC9-9082-BBAF7511BDB8}" dt="2024-12-14T20:45:47.491" v="44" actId="14826"/>
+        <pc:sldMkLst>
+          <pc:docMk/>
+          <pc:sldMk cId="641941356" sldId="265"/>
+        </pc:sldMkLst>
+        <pc:spChg chg="mod">
+          <ac:chgData name="Orsolya Kovacs" userId="de54541c73ff2627" providerId="LiveId" clId="{A92D5A63-239B-4AC9-9082-BBAF7511BDB8}" dt="2024-12-14T20:38:19.104" v="28" actId="26606"/>
+          <ac:spMkLst>
+            <pc:docMk/>
+            <pc:sldMk cId="641941356" sldId="265"/>
+            <ac:spMk id="2" creationId="{7CD92C6B-B9A8-4851-ECD8-A98CE1C60B7C}"/>
+          </ac:spMkLst>
+        </pc:spChg>
+        <pc:spChg chg="add del">
+          <ac:chgData name="Orsolya Kovacs" userId="de54541c73ff2627" providerId="LiveId" clId="{A92D5A63-239B-4AC9-9082-BBAF7511BDB8}" dt="2024-12-14T20:38:19.096" v="27" actId="26606"/>
+          <ac:spMkLst>
+            <pc:docMk/>
+            <pc:sldMk cId="641941356" sldId="265"/>
+            <ac:spMk id="9" creationId="{665DBBEF-238B-476B-96AB-8AAC3224ECEA}"/>
+          </ac:spMkLst>
+        </pc:spChg>
+        <pc:spChg chg="add del">
+          <ac:chgData name="Orsolya Kovacs" userId="de54541c73ff2627" providerId="LiveId" clId="{A92D5A63-239B-4AC9-9082-BBAF7511BDB8}" dt="2024-12-14T20:38:19.096" v="27" actId="26606"/>
+          <ac:spMkLst>
+            <pc:docMk/>
+            <pc:sldMk cId="641941356" sldId="265"/>
+            <ac:spMk id="11" creationId="{3FCFB1DE-0B7E-48CC-BA90-B2AB0889F9D6}"/>
+          </ac:spMkLst>
+        </pc:spChg>
+        <pc:spChg chg="add">
+          <ac:chgData name="Orsolya Kovacs" userId="de54541c73ff2627" providerId="LiveId" clId="{A92D5A63-239B-4AC9-9082-BBAF7511BDB8}" dt="2024-12-14T20:38:19.104" v="28" actId="26606"/>
+          <ac:spMkLst>
+            <pc:docMk/>
+            <pc:sldMk cId="641941356" sldId="265"/>
+            <ac:spMk id="13" creationId="{93245F62-CCC4-49E4-B95B-EA6C1E790510}"/>
+          </ac:spMkLst>
+        </pc:spChg>
+        <pc:spChg chg="add">
+          <ac:chgData name="Orsolya Kovacs" userId="de54541c73ff2627" providerId="LiveId" clId="{A92D5A63-239B-4AC9-9082-BBAF7511BDB8}" dt="2024-12-14T20:38:19.104" v="28" actId="26606"/>
+          <ac:spMkLst>
+            <pc:docMk/>
+            <pc:sldMk cId="641941356" sldId="265"/>
+            <ac:spMk id="14" creationId="{E6C0DD6B-6AA3-448F-9B99-8386295BC1B4}"/>
+          </ac:spMkLst>
+        </pc:spChg>
+        <pc:picChg chg="add del mod">
+          <ac:chgData name="Orsolya Kovacs" userId="de54541c73ff2627" providerId="LiveId" clId="{A92D5A63-239B-4AC9-9082-BBAF7511BDB8}" dt="2024-12-14T20:45:47.491" v="44" actId="14826"/>
+          <ac:picMkLst>
+            <pc:docMk/>
+            <pc:sldMk cId="641941356" sldId="265"/>
+            <ac:picMk id="4" creationId="{3661E4B5-567C-FEAA-52EE-E714841688AC}"/>
+          </ac:picMkLst>
+        </pc:picChg>
       </pc:sldChg>
     </pc:docChg>
   </pc:docChgLst>
@@ -915,7 +1116,7 @@
 <dgm:dataModel xmlns:dgm="http://schemas.openxmlformats.org/drawingml/2006/diagram" xmlns:a="http://schemas.openxmlformats.org/drawingml/2006/main">
   <dgm:ptLst>
     <dgm:pt modelId="{399D2586-98BB-47FA-B7BB-8933CB93D03D}" type="doc">
-      <dgm:prSet loTypeId="urn:microsoft.com/office/officeart/2005/8/layout/list1" loCatId="list" qsTypeId="urn:microsoft.com/office/officeart/2005/8/quickstyle/simple1" qsCatId="simple" csTypeId="urn:microsoft.com/office/officeart/2005/8/colors/accent1_2" csCatId="accent1"/>
+      <dgm:prSet loTypeId="urn:microsoft.com/office/officeart/2005/8/layout/list1" loCatId="list" qsTypeId="urn:microsoft.com/office/officeart/2005/8/quickstyle/simple1" qsCatId="simple" csTypeId="urn:microsoft.com/office/officeart/2005/8/colors/accent1_2" csCatId="accent1" phldr="1"/>
       <dgm:spPr/>
       <dgm:t>
         <a:bodyPr/>
@@ -927,7 +1128,11 @@
     </dgm:pt>
     <dgm:pt modelId="{063AC647-E11B-4AA0-ADB0-A6ED477BA29D}">
       <dgm:prSet/>
-      <dgm:spPr/>
+      <dgm:spPr>
+        <a:solidFill>
+          <a:schemeClr val="accent2"/>
+        </a:solidFill>
+      </dgm:spPr>
       <dgm:t>
         <a:bodyPr/>
         <a:lstStyle/>
@@ -964,7 +1169,11 @@
     </dgm:pt>
     <dgm:pt modelId="{C912102D-829C-4FD4-A6C0-D38BC74352DD}">
       <dgm:prSet/>
-      <dgm:spPr/>
+      <dgm:spPr>
+        <a:solidFill>
+          <a:schemeClr val="accent2"/>
+        </a:solidFill>
+      </dgm:spPr>
       <dgm:t>
         <a:bodyPr/>
         <a:lstStyle/>
@@ -1001,7 +1210,11 @@
     </dgm:pt>
     <dgm:pt modelId="{B49EA386-507D-4742-9295-4A31D7C2200A}">
       <dgm:prSet/>
-      <dgm:spPr/>
+      <dgm:spPr>
+        <a:solidFill>
+          <a:schemeClr val="accent2"/>
+        </a:solidFill>
+      </dgm:spPr>
       <dgm:t>
         <a:bodyPr/>
         <a:lstStyle/>
@@ -1038,7 +1251,11 @@
     </dgm:pt>
     <dgm:pt modelId="{E9701F7B-39D2-424F-9556-7BDAFC72332A}">
       <dgm:prSet/>
-      <dgm:spPr/>
+      <dgm:spPr>
+        <a:solidFill>
+          <a:schemeClr val="accent2"/>
+        </a:solidFill>
+      </dgm:spPr>
       <dgm:t>
         <a:bodyPr/>
         <a:lstStyle/>
@@ -1075,7 +1292,11 @@
     </dgm:pt>
     <dgm:pt modelId="{BAFAEA84-BFF6-43EF-88BE-A8D8A1A896C7}">
       <dgm:prSet/>
-      <dgm:spPr/>
+      <dgm:spPr>
+        <a:solidFill>
+          <a:schemeClr val="accent2"/>
+        </a:solidFill>
+      </dgm:spPr>
       <dgm:t>
         <a:bodyPr/>
         <a:lstStyle/>
@@ -1147,7 +1368,13 @@
           <dgm:bulletEnabled val="1"/>
         </dgm:presLayoutVars>
       </dgm:prSet>
-      <dgm:spPr/>
+      <dgm:spPr>
+        <a:ln>
+          <a:solidFill>
+            <a:schemeClr val="accent2"/>
+          </a:solidFill>
+        </a:ln>
+      </dgm:spPr>
     </dgm:pt>
     <dgm:pt modelId="{494B87FA-3473-406E-80D0-CA824EEE3C66}" type="pres">
       <dgm:prSet presAssocID="{ECBB1A1E-18DC-4E53-88D1-12B49A0E09F6}" presName="spaceBetweenRectangles" presStyleCnt="0"/>
@@ -1180,7 +1407,13 @@
           <dgm:bulletEnabled val="1"/>
         </dgm:presLayoutVars>
       </dgm:prSet>
-      <dgm:spPr/>
+      <dgm:spPr>
+        <a:ln>
+          <a:solidFill>
+            <a:schemeClr val="accent2"/>
+          </a:solidFill>
+        </a:ln>
+      </dgm:spPr>
     </dgm:pt>
     <dgm:pt modelId="{769F6F3A-C6C7-4A2E-8DB9-949AA0EE70C1}" type="pres">
       <dgm:prSet presAssocID="{301C7F03-9D5C-42C5-A092-7637C2196440}" presName="spaceBetweenRectangles" presStyleCnt="0"/>
@@ -1213,7 +1446,13 @@
           <dgm:bulletEnabled val="1"/>
         </dgm:presLayoutVars>
       </dgm:prSet>
-      <dgm:spPr/>
+      <dgm:spPr>
+        <a:ln>
+          <a:solidFill>
+            <a:schemeClr val="accent2"/>
+          </a:solidFill>
+        </a:ln>
+      </dgm:spPr>
     </dgm:pt>
     <dgm:pt modelId="{A9B2513B-98F8-4939-B27D-3C6DD1CFA50C}" type="pres">
       <dgm:prSet presAssocID="{FF6A5560-A02E-4B7D-8594-E83F4F8B9B46}" presName="spaceBetweenRectangles" presStyleCnt="0"/>
@@ -1246,7 +1485,13 @@
           <dgm:bulletEnabled val="1"/>
         </dgm:presLayoutVars>
       </dgm:prSet>
-      <dgm:spPr/>
+      <dgm:spPr>
+        <a:ln>
+          <a:solidFill>
+            <a:schemeClr val="accent2"/>
+          </a:solidFill>
+        </a:ln>
+      </dgm:spPr>
     </dgm:pt>
     <dgm:pt modelId="{307E3A5A-DF7B-4E08-AE5B-90CAA9D584E3}" type="pres">
       <dgm:prSet presAssocID="{C482947C-42FE-491F-B590-96780756D5B0}" presName="spaceBetweenRectangles" presStyleCnt="0"/>
@@ -1279,7 +1524,13 @@
           <dgm:bulletEnabled val="1"/>
         </dgm:presLayoutVars>
       </dgm:prSet>
-      <dgm:spPr/>
+      <dgm:spPr>
+        <a:ln>
+          <a:solidFill>
+            <a:schemeClr val="accent2"/>
+          </a:solidFill>
+        </a:ln>
+      </dgm:spPr>
     </dgm:pt>
   </dgm:ptLst>
   <dgm:cxnLst>
@@ -1371,12 +1622,7 @@
         </a:solidFill>
         <a:ln w="19050" cap="flat" cmpd="sng" algn="ctr">
           <a:solidFill>
-            <a:schemeClr val="accent1">
-              <a:hueOff val="0"/>
-              <a:satOff val="0"/>
-              <a:lumOff val="0"/>
-              <a:alphaOff val="0"/>
-            </a:schemeClr>
+            <a:schemeClr val="accent2"/>
           </a:solidFill>
           <a:prstDash val="solid"/>
           <a:miter lim="800000"/>
@@ -1410,12 +1656,7 @@
           <a:avLst/>
         </a:prstGeom>
         <a:solidFill>
-          <a:schemeClr val="accent1">
-            <a:hueOff val="0"/>
-            <a:satOff val="0"/>
-            <a:lumOff val="0"/>
-            <a:alphaOff val="0"/>
-          </a:schemeClr>
+          <a:schemeClr val="accent2"/>
         </a:solidFill>
         <a:ln w="19050" cap="flat" cmpd="sng" algn="ctr">
           <a:solidFill>
@@ -1499,12 +1740,7 @@
         </a:solidFill>
         <a:ln w="19050" cap="flat" cmpd="sng" algn="ctr">
           <a:solidFill>
-            <a:schemeClr val="accent1">
-              <a:hueOff val="0"/>
-              <a:satOff val="0"/>
-              <a:lumOff val="0"/>
-              <a:alphaOff val="0"/>
-            </a:schemeClr>
+            <a:schemeClr val="accent2"/>
           </a:solidFill>
           <a:prstDash val="solid"/>
           <a:miter lim="800000"/>
@@ -1538,12 +1774,7 @@
           <a:avLst/>
         </a:prstGeom>
         <a:solidFill>
-          <a:schemeClr val="accent1">
-            <a:hueOff val="0"/>
-            <a:satOff val="0"/>
-            <a:lumOff val="0"/>
-            <a:alphaOff val="0"/>
-          </a:schemeClr>
+          <a:schemeClr val="accent2"/>
         </a:solidFill>
         <a:ln w="19050" cap="flat" cmpd="sng" algn="ctr">
           <a:solidFill>
@@ -1627,12 +1858,7 @@
         </a:solidFill>
         <a:ln w="19050" cap="flat" cmpd="sng" algn="ctr">
           <a:solidFill>
-            <a:schemeClr val="accent1">
-              <a:hueOff val="0"/>
-              <a:satOff val="0"/>
-              <a:lumOff val="0"/>
-              <a:alphaOff val="0"/>
-            </a:schemeClr>
+            <a:schemeClr val="accent2"/>
           </a:solidFill>
           <a:prstDash val="solid"/>
           <a:miter lim="800000"/>
@@ -1666,12 +1892,7 @@
           <a:avLst/>
         </a:prstGeom>
         <a:solidFill>
-          <a:schemeClr val="accent1">
-            <a:hueOff val="0"/>
-            <a:satOff val="0"/>
-            <a:lumOff val="0"/>
-            <a:alphaOff val="0"/>
-          </a:schemeClr>
+          <a:schemeClr val="accent2"/>
         </a:solidFill>
         <a:ln w="19050" cap="flat" cmpd="sng" algn="ctr">
           <a:solidFill>
@@ -1755,12 +1976,7 @@
         </a:solidFill>
         <a:ln w="19050" cap="flat" cmpd="sng" algn="ctr">
           <a:solidFill>
-            <a:schemeClr val="accent1">
-              <a:hueOff val="0"/>
-              <a:satOff val="0"/>
-              <a:lumOff val="0"/>
-              <a:alphaOff val="0"/>
-            </a:schemeClr>
+            <a:schemeClr val="accent2"/>
           </a:solidFill>
           <a:prstDash val="solid"/>
           <a:miter lim="800000"/>
@@ -1794,12 +2010,7 @@
           <a:avLst/>
         </a:prstGeom>
         <a:solidFill>
-          <a:schemeClr val="accent1">
-            <a:hueOff val="0"/>
-            <a:satOff val="0"/>
-            <a:lumOff val="0"/>
-            <a:alphaOff val="0"/>
-          </a:schemeClr>
+          <a:schemeClr val="accent2"/>
         </a:solidFill>
         <a:ln w="19050" cap="flat" cmpd="sng" algn="ctr">
           <a:solidFill>
@@ -1883,12 +2094,7 @@
         </a:solidFill>
         <a:ln w="19050" cap="flat" cmpd="sng" algn="ctr">
           <a:solidFill>
-            <a:schemeClr val="accent1">
-              <a:hueOff val="0"/>
-              <a:satOff val="0"/>
-              <a:lumOff val="0"/>
-              <a:alphaOff val="0"/>
-            </a:schemeClr>
+            <a:schemeClr val="accent2"/>
           </a:solidFill>
           <a:prstDash val="solid"/>
           <a:miter lim="800000"/>
@@ -1922,12 +2128,7 @@
           <a:avLst/>
         </a:prstGeom>
         <a:solidFill>
-          <a:schemeClr val="accent1">
-            <a:hueOff val="0"/>
-            <a:satOff val="0"/>
-            <a:lumOff val="0"/>
-            <a:alphaOff val="0"/>
-          </a:schemeClr>
+          <a:schemeClr val="accent2"/>
         </a:solidFill>
         <a:ln w="19050" cap="flat" cmpd="sng" algn="ctr">
           <a:solidFill>
@@ -3250,6 +3451,440 @@
 </dgm:styleDef>
 </file>
 
+<file path=ppt/notesMasters/notesMaster1.xml><?xml version="1.0" encoding="utf-8"?>
+<p:notesMaster xmlns:a="http://schemas.openxmlformats.org/drawingml/2006/main" xmlns:r="http://schemas.openxmlformats.org/officeDocument/2006/relationships" xmlns:p="http://schemas.openxmlformats.org/presentationml/2006/main">
+  <p:cSld>
+    <p:bg>
+      <p:bgRef idx="1001">
+        <a:schemeClr val="bg1"/>
+      </p:bgRef>
+    </p:bg>
+    <p:spTree>
+      <p:nvGrpSpPr>
+        <p:cNvPr id="1" name=""/>
+        <p:cNvGrpSpPr/>
+        <p:nvPr/>
+      </p:nvGrpSpPr>
+      <p:grpSpPr>
+        <a:xfrm>
+          <a:off x="0" y="0"/>
+          <a:ext cx="0" cy="0"/>
+          <a:chOff x="0" y="0"/>
+          <a:chExt cx="0" cy="0"/>
+        </a:xfrm>
+      </p:grpSpPr>
+      <p:sp>
+        <p:nvSpPr>
+          <p:cNvPr id="2" name="Header Placeholder 1"/>
+          <p:cNvSpPr>
+            <a:spLocks noGrp="1"/>
+          </p:cNvSpPr>
+          <p:nvPr>
+            <p:ph type="hdr" sz="quarter"/>
+          </p:nvPr>
+        </p:nvSpPr>
+        <p:spPr>
+          <a:xfrm>
+            <a:off x="0" y="0"/>
+            <a:ext cx="2971800" cy="458788"/>
+          </a:xfrm>
+          <a:prstGeom prst="rect">
+            <a:avLst/>
+          </a:prstGeom>
+        </p:spPr>
+        <p:txBody>
+          <a:bodyPr vert="horz" lIns="91440" tIns="45720" rIns="91440" bIns="45720" rtlCol="0"/>
+          <a:lstStyle>
+            <a:lvl1pPr algn="l">
+              <a:defRPr sz="1200"/>
+            </a:lvl1pPr>
+          </a:lstStyle>
+          <a:p>
+            <a:endParaRPr lang="hu-HU"/>
+          </a:p>
+        </p:txBody>
+      </p:sp>
+      <p:sp>
+        <p:nvSpPr>
+          <p:cNvPr id="3" name="Date Placeholder 2"/>
+          <p:cNvSpPr>
+            <a:spLocks noGrp="1"/>
+          </p:cNvSpPr>
+          <p:nvPr>
+            <p:ph type="dt" idx="1"/>
+          </p:nvPr>
+        </p:nvSpPr>
+        <p:spPr>
+          <a:xfrm>
+            <a:off x="3884613" y="0"/>
+            <a:ext cx="2971800" cy="458788"/>
+          </a:xfrm>
+          <a:prstGeom prst="rect">
+            <a:avLst/>
+          </a:prstGeom>
+        </p:spPr>
+        <p:txBody>
+          <a:bodyPr vert="horz" lIns="91440" tIns="45720" rIns="91440" bIns="45720" rtlCol="0"/>
+          <a:lstStyle>
+            <a:lvl1pPr algn="r">
+              <a:defRPr sz="1200"/>
+            </a:lvl1pPr>
+          </a:lstStyle>
+          <a:p>
+            <a:fld id="{FE41EF7C-4E59-48C5-A31C-E3D074EB2808}" type="datetimeFigureOut">
+              <a:rPr lang="hu-HU" smtClean="0"/>
+              <a:t>2024. 12. 14.</a:t>
+            </a:fld>
+            <a:endParaRPr lang="hu-HU"/>
+          </a:p>
+        </p:txBody>
+      </p:sp>
+      <p:sp>
+        <p:nvSpPr>
+          <p:cNvPr id="4" name="Slide Image Placeholder 3"/>
+          <p:cNvSpPr>
+            <a:spLocks noGrp="1" noRot="1" noChangeAspect="1"/>
+          </p:cNvSpPr>
+          <p:nvPr>
+            <p:ph type="sldImg" idx="2"/>
+          </p:nvPr>
+        </p:nvSpPr>
+        <p:spPr>
+          <a:xfrm>
+            <a:off x="685800" y="1143000"/>
+            <a:ext cx="5486400" cy="3086100"/>
+          </a:xfrm>
+          <a:prstGeom prst="rect">
+            <a:avLst/>
+          </a:prstGeom>
+          <a:noFill/>
+          <a:ln w="12700">
+            <a:solidFill>
+              <a:prstClr val="black"/>
+            </a:solidFill>
+          </a:ln>
+        </p:spPr>
+        <p:txBody>
+          <a:bodyPr vert="horz" lIns="91440" tIns="45720" rIns="91440" bIns="45720" rtlCol="0" anchor="ctr"/>
+          <a:lstStyle/>
+          <a:p>
+            <a:endParaRPr lang="hu-HU"/>
+          </a:p>
+        </p:txBody>
+      </p:sp>
+      <p:sp>
+        <p:nvSpPr>
+          <p:cNvPr id="5" name="Notes Placeholder 4"/>
+          <p:cNvSpPr>
+            <a:spLocks noGrp="1"/>
+          </p:cNvSpPr>
+          <p:nvPr>
+            <p:ph type="body" sz="quarter" idx="3"/>
+          </p:nvPr>
+        </p:nvSpPr>
+        <p:spPr>
+          <a:xfrm>
+            <a:off x="685800" y="4400550"/>
+            <a:ext cx="5486400" cy="3600450"/>
+          </a:xfrm>
+          <a:prstGeom prst="rect">
+            <a:avLst/>
+          </a:prstGeom>
+        </p:spPr>
+        <p:txBody>
+          <a:bodyPr vert="horz" lIns="91440" tIns="45720" rIns="91440" bIns="45720" rtlCol="0"/>
+          <a:lstStyle/>
+          <a:p>
+            <a:pPr lvl="0"/>
+            <a:r>
+              <a:rPr lang="en-US"/>
+              <a:t>Click to edit Master text styles</a:t>
+            </a:r>
+          </a:p>
+          <a:p>
+            <a:pPr lvl="1"/>
+            <a:r>
+              <a:rPr lang="en-US"/>
+              <a:t>Second level</a:t>
+            </a:r>
+          </a:p>
+          <a:p>
+            <a:pPr lvl="2"/>
+            <a:r>
+              <a:rPr lang="en-US"/>
+              <a:t>Third level</a:t>
+            </a:r>
+          </a:p>
+          <a:p>
+            <a:pPr lvl="3"/>
+            <a:r>
+              <a:rPr lang="en-US"/>
+              <a:t>Fourth level</a:t>
+            </a:r>
+          </a:p>
+          <a:p>
+            <a:pPr lvl="4"/>
+            <a:r>
+              <a:rPr lang="en-US"/>
+              <a:t>Fifth level</a:t>
+            </a:r>
+            <a:endParaRPr lang="hu-HU"/>
+          </a:p>
+        </p:txBody>
+      </p:sp>
+      <p:sp>
+        <p:nvSpPr>
+          <p:cNvPr id="6" name="Footer Placeholder 5"/>
+          <p:cNvSpPr>
+            <a:spLocks noGrp="1"/>
+          </p:cNvSpPr>
+          <p:nvPr>
+            <p:ph type="ftr" sz="quarter" idx="4"/>
+          </p:nvPr>
+        </p:nvSpPr>
+        <p:spPr>
+          <a:xfrm>
+            <a:off x="0" y="8685213"/>
+            <a:ext cx="2971800" cy="458787"/>
+          </a:xfrm>
+          <a:prstGeom prst="rect">
+            <a:avLst/>
+          </a:prstGeom>
+        </p:spPr>
+        <p:txBody>
+          <a:bodyPr vert="horz" lIns="91440" tIns="45720" rIns="91440" bIns="45720" rtlCol="0" anchor="b"/>
+          <a:lstStyle>
+            <a:lvl1pPr algn="l">
+              <a:defRPr sz="1200"/>
+            </a:lvl1pPr>
+          </a:lstStyle>
+          <a:p>
+            <a:endParaRPr lang="hu-HU"/>
+          </a:p>
+        </p:txBody>
+      </p:sp>
+      <p:sp>
+        <p:nvSpPr>
+          <p:cNvPr id="7" name="Slide Number Placeholder 6"/>
+          <p:cNvSpPr>
+            <a:spLocks noGrp="1"/>
+          </p:cNvSpPr>
+          <p:nvPr>
+            <p:ph type="sldNum" sz="quarter" idx="5"/>
+          </p:nvPr>
+        </p:nvSpPr>
+        <p:spPr>
+          <a:xfrm>
+            <a:off x="3884613" y="8685213"/>
+            <a:ext cx="2971800" cy="458787"/>
+          </a:xfrm>
+          <a:prstGeom prst="rect">
+            <a:avLst/>
+          </a:prstGeom>
+        </p:spPr>
+        <p:txBody>
+          <a:bodyPr vert="horz" lIns="91440" tIns="45720" rIns="91440" bIns="45720" rtlCol="0" anchor="b"/>
+          <a:lstStyle>
+            <a:lvl1pPr algn="r">
+              <a:defRPr sz="1200"/>
+            </a:lvl1pPr>
+          </a:lstStyle>
+          <a:p>
+            <a:fld id="{DA189307-3D08-4A7D-9A5B-66684041BCDE}" type="slidenum">
+              <a:rPr lang="hu-HU" smtClean="0"/>
+              <a:t>‹#›</a:t>
+            </a:fld>
+            <a:endParaRPr lang="hu-HU"/>
+          </a:p>
+        </p:txBody>
+      </p:sp>
+    </p:spTree>
+    <p:extLst>
+      <p:ext uri="{BB962C8B-B14F-4D97-AF65-F5344CB8AC3E}">
+        <p14:creationId xmlns:p14="http://schemas.microsoft.com/office/powerpoint/2010/main" val="1648682283"/>
+      </p:ext>
+    </p:extLst>
+  </p:cSld>
+  <p:clrMap bg1="lt1" tx1="dk1" bg2="lt2" tx2="dk2" accent1="accent1" accent2="accent2" accent3="accent3" accent4="accent4" accent5="accent5" accent6="accent6" hlink="hlink" folHlink="folHlink"/>
+  <p:notesStyle>
+    <a:lvl1pPr marL="0" algn="l" defTabSz="914400" rtl="0" eaLnBrk="1" latinLnBrk="0" hangingPunct="1">
+      <a:defRPr sz="1200" kern="1200">
+        <a:solidFill>
+          <a:schemeClr val="tx1"/>
+        </a:solidFill>
+        <a:latin typeface="+mn-lt"/>
+        <a:ea typeface="+mn-ea"/>
+        <a:cs typeface="+mn-cs"/>
+      </a:defRPr>
+    </a:lvl1pPr>
+    <a:lvl2pPr marL="457200" algn="l" defTabSz="914400" rtl="0" eaLnBrk="1" latinLnBrk="0" hangingPunct="1">
+      <a:defRPr sz="1200" kern="1200">
+        <a:solidFill>
+          <a:schemeClr val="tx1"/>
+        </a:solidFill>
+        <a:latin typeface="+mn-lt"/>
+        <a:ea typeface="+mn-ea"/>
+        <a:cs typeface="+mn-cs"/>
+      </a:defRPr>
+    </a:lvl2pPr>
+    <a:lvl3pPr marL="914400" algn="l" defTabSz="914400" rtl="0" eaLnBrk="1" latinLnBrk="0" hangingPunct="1">
+      <a:defRPr sz="1200" kern="1200">
+        <a:solidFill>
+          <a:schemeClr val="tx1"/>
+        </a:solidFill>
+        <a:latin typeface="+mn-lt"/>
+        <a:ea typeface="+mn-ea"/>
+        <a:cs typeface="+mn-cs"/>
+      </a:defRPr>
+    </a:lvl3pPr>
+    <a:lvl4pPr marL="1371600" algn="l" defTabSz="914400" rtl="0" eaLnBrk="1" latinLnBrk="0" hangingPunct="1">
+      <a:defRPr sz="1200" kern="1200">
+        <a:solidFill>
+          <a:schemeClr val="tx1"/>
+        </a:solidFill>
+        <a:latin typeface="+mn-lt"/>
+        <a:ea typeface="+mn-ea"/>
+        <a:cs typeface="+mn-cs"/>
+      </a:defRPr>
+    </a:lvl4pPr>
+    <a:lvl5pPr marL="1828800" algn="l" defTabSz="914400" rtl="0" eaLnBrk="1" latinLnBrk="0" hangingPunct="1">
+      <a:defRPr sz="1200" kern="1200">
+        <a:solidFill>
+          <a:schemeClr val="tx1"/>
+        </a:solidFill>
+        <a:latin typeface="+mn-lt"/>
+        <a:ea typeface="+mn-ea"/>
+        <a:cs typeface="+mn-cs"/>
+      </a:defRPr>
+    </a:lvl5pPr>
+    <a:lvl6pPr marL="2286000" algn="l" defTabSz="914400" rtl="0" eaLnBrk="1" latinLnBrk="0" hangingPunct="1">
+      <a:defRPr sz="1200" kern="1200">
+        <a:solidFill>
+          <a:schemeClr val="tx1"/>
+        </a:solidFill>
+        <a:latin typeface="+mn-lt"/>
+        <a:ea typeface="+mn-ea"/>
+        <a:cs typeface="+mn-cs"/>
+      </a:defRPr>
+    </a:lvl6pPr>
+    <a:lvl7pPr marL="2743200" algn="l" defTabSz="914400" rtl="0" eaLnBrk="1" latinLnBrk="0" hangingPunct="1">
+      <a:defRPr sz="1200" kern="1200">
+        <a:solidFill>
+          <a:schemeClr val="tx1"/>
+        </a:solidFill>
+        <a:latin typeface="+mn-lt"/>
+        <a:ea typeface="+mn-ea"/>
+        <a:cs typeface="+mn-cs"/>
+      </a:defRPr>
+    </a:lvl7pPr>
+    <a:lvl8pPr marL="3200400" algn="l" defTabSz="914400" rtl="0" eaLnBrk="1" latinLnBrk="0" hangingPunct="1">
+      <a:defRPr sz="1200" kern="1200">
+        <a:solidFill>
+          <a:schemeClr val="tx1"/>
+        </a:solidFill>
+        <a:latin typeface="+mn-lt"/>
+        <a:ea typeface="+mn-ea"/>
+        <a:cs typeface="+mn-cs"/>
+      </a:defRPr>
+    </a:lvl8pPr>
+    <a:lvl9pPr marL="3657600" algn="l" defTabSz="914400" rtl="0" eaLnBrk="1" latinLnBrk="0" hangingPunct="1">
+      <a:defRPr sz="1200" kern="1200">
+        <a:solidFill>
+          <a:schemeClr val="tx1"/>
+        </a:solidFill>
+        <a:latin typeface="+mn-lt"/>
+        <a:ea typeface="+mn-ea"/>
+        <a:cs typeface="+mn-cs"/>
+      </a:defRPr>
+    </a:lvl9pPr>
+  </p:notesStyle>
+</p:notesMaster>
+</file>
+
+<file path=ppt/notesSlides/notesSlide1.xml><?xml version="1.0" encoding="utf-8"?>
+<p:notes xmlns:a="http://schemas.openxmlformats.org/drawingml/2006/main" xmlns:r="http://schemas.openxmlformats.org/officeDocument/2006/relationships" xmlns:p="http://schemas.openxmlformats.org/presentationml/2006/main">
+  <p:cSld>
+    <p:spTree>
+      <p:nvGrpSpPr>
+        <p:cNvPr id="1" name=""/>
+        <p:cNvGrpSpPr/>
+        <p:nvPr/>
+      </p:nvGrpSpPr>
+      <p:grpSpPr>
+        <a:xfrm>
+          <a:off x="0" y="0"/>
+          <a:ext cx="0" cy="0"/>
+          <a:chOff x="0" y="0"/>
+          <a:chExt cx="0" cy="0"/>
+        </a:xfrm>
+      </p:grpSpPr>
+      <p:sp>
+        <p:nvSpPr>
+          <p:cNvPr id="2" name="Slide Image Placeholder 1"/>
+          <p:cNvSpPr>
+            <a:spLocks noGrp="1" noRot="1" noChangeAspect="1"/>
+          </p:cNvSpPr>
+          <p:nvPr>
+            <p:ph type="sldImg"/>
+          </p:nvPr>
+        </p:nvSpPr>
+        <p:spPr/>
+      </p:sp>
+      <p:sp>
+        <p:nvSpPr>
+          <p:cNvPr id="3" name="Notes Placeholder 2"/>
+          <p:cNvSpPr>
+            <a:spLocks noGrp="1"/>
+          </p:cNvSpPr>
+          <p:nvPr>
+            <p:ph type="body" idx="1"/>
+          </p:nvPr>
+        </p:nvSpPr>
+        <p:spPr/>
+        <p:txBody>
+          <a:bodyPr/>
+          <a:lstStyle/>
+          <a:p>
+            <a:endParaRPr lang="hu-HU" dirty="0"/>
+          </a:p>
+        </p:txBody>
+      </p:sp>
+      <p:sp>
+        <p:nvSpPr>
+          <p:cNvPr id="4" name="Slide Number Placeholder 3"/>
+          <p:cNvSpPr>
+            <a:spLocks noGrp="1"/>
+          </p:cNvSpPr>
+          <p:nvPr>
+            <p:ph type="sldNum" sz="quarter" idx="5"/>
+          </p:nvPr>
+        </p:nvSpPr>
+        <p:spPr/>
+        <p:txBody>
+          <a:bodyPr/>
+          <a:lstStyle/>
+          <a:p>
+            <a:fld id="{DA189307-3D08-4A7D-9A5B-66684041BCDE}" type="slidenum">
+              <a:rPr lang="hu-HU" smtClean="0"/>
+              <a:t>9</a:t>
+            </a:fld>
+            <a:endParaRPr lang="hu-HU"/>
+          </a:p>
+        </p:txBody>
+      </p:sp>
+    </p:spTree>
+    <p:extLst>
+      <p:ext uri="{BB962C8B-B14F-4D97-AF65-F5344CB8AC3E}">
+        <p14:creationId xmlns:p14="http://schemas.microsoft.com/office/powerpoint/2010/main" val="4026011665"/>
+      </p:ext>
+    </p:extLst>
+  </p:cSld>
+  <p:clrMapOvr>
+    <a:masterClrMapping/>
+  </p:clrMapOvr>
+</p:notes>
+</file>
+
 <file path=ppt/slideLayouts/slideLayout1.xml><?xml version="1.0" encoding="utf-8"?>
 <p:sldLayout xmlns:a="http://schemas.openxmlformats.org/drawingml/2006/main" xmlns:r="http://schemas.openxmlformats.org/officeDocument/2006/relationships" xmlns:p="http://schemas.openxmlformats.org/presentationml/2006/main" type="title" preserve="1">
   <p:cSld name="Title Slide">
@@ -3399,7 +4034,7 @@
           <a:p>
             <a:fld id="{AFBF8AA6-221C-485A-AEDE-767B8BC021E2}" type="datetimeFigureOut">
               <a:rPr lang="hu-HU" smtClean="0"/>
-              <a:t>2024. 12. 12.</a:t>
+              <a:t>2024. 12. 14.</a:t>
             </a:fld>
             <a:endParaRPr lang="hu-HU"/>
           </a:p>
@@ -3599,7 +4234,7 @@
           <a:p>
             <a:fld id="{AFBF8AA6-221C-485A-AEDE-767B8BC021E2}" type="datetimeFigureOut">
               <a:rPr lang="hu-HU" smtClean="0"/>
-              <a:t>2024. 12. 12.</a:t>
+              <a:t>2024. 12. 14.</a:t>
             </a:fld>
             <a:endParaRPr lang="hu-HU"/>
           </a:p>
@@ -3809,7 +4444,7 @@
           <a:p>
             <a:fld id="{AFBF8AA6-221C-485A-AEDE-767B8BC021E2}" type="datetimeFigureOut">
               <a:rPr lang="hu-HU" smtClean="0"/>
-              <a:t>2024. 12. 12.</a:t>
+              <a:t>2024. 12. 14.</a:t>
             </a:fld>
             <a:endParaRPr lang="hu-HU"/>
           </a:p>
@@ -4009,7 +4644,7 @@
           <a:p>
             <a:fld id="{AFBF8AA6-221C-485A-AEDE-767B8BC021E2}" type="datetimeFigureOut">
               <a:rPr lang="hu-HU" smtClean="0"/>
-              <a:t>2024. 12. 12.</a:t>
+              <a:t>2024. 12. 14.</a:t>
             </a:fld>
             <a:endParaRPr lang="hu-HU"/>
           </a:p>
@@ -4285,7 +4920,7 @@
           <a:p>
             <a:fld id="{AFBF8AA6-221C-485A-AEDE-767B8BC021E2}" type="datetimeFigureOut">
               <a:rPr lang="hu-HU" smtClean="0"/>
-              <a:t>2024. 12. 12.</a:t>
+              <a:t>2024. 12. 14.</a:t>
             </a:fld>
             <a:endParaRPr lang="hu-HU"/>
           </a:p>
@@ -4553,7 +5188,7 @@
           <a:p>
             <a:fld id="{AFBF8AA6-221C-485A-AEDE-767B8BC021E2}" type="datetimeFigureOut">
               <a:rPr lang="hu-HU" smtClean="0"/>
-              <a:t>2024. 12. 12.</a:t>
+              <a:t>2024. 12. 14.</a:t>
             </a:fld>
             <a:endParaRPr lang="hu-HU"/>
           </a:p>
@@ -4968,7 +5603,7 @@
           <a:p>
             <a:fld id="{AFBF8AA6-221C-485A-AEDE-767B8BC021E2}" type="datetimeFigureOut">
               <a:rPr lang="hu-HU" smtClean="0"/>
-              <a:t>2024. 12. 12.</a:t>
+              <a:t>2024. 12. 14.</a:t>
             </a:fld>
             <a:endParaRPr lang="hu-HU"/>
           </a:p>
@@ -5110,7 +5745,7 @@
           <a:p>
             <a:fld id="{AFBF8AA6-221C-485A-AEDE-767B8BC021E2}" type="datetimeFigureOut">
               <a:rPr lang="hu-HU" smtClean="0"/>
-              <a:t>2024. 12. 12.</a:t>
+              <a:t>2024. 12. 14.</a:t>
             </a:fld>
             <a:endParaRPr lang="hu-HU"/>
           </a:p>
@@ -5223,7 +5858,7 @@
           <a:p>
             <a:fld id="{AFBF8AA6-221C-485A-AEDE-767B8BC021E2}" type="datetimeFigureOut">
               <a:rPr lang="hu-HU" smtClean="0"/>
-              <a:t>2024. 12. 12.</a:t>
+              <a:t>2024. 12. 14.</a:t>
             </a:fld>
             <a:endParaRPr lang="hu-HU"/>
           </a:p>
@@ -5536,7 +6171,7 @@
           <a:p>
             <a:fld id="{AFBF8AA6-221C-485A-AEDE-767B8BC021E2}" type="datetimeFigureOut">
               <a:rPr lang="hu-HU" smtClean="0"/>
-              <a:t>2024. 12. 12.</a:t>
+              <a:t>2024. 12. 14.</a:t>
             </a:fld>
             <a:endParaRPr lang="hu-HU"/>
           </a:p>
@@ -5825,7 +6460,7 @@
           <a:p>
             <a:fld id="{AFBF8AA6-221C-485A-AEDE-767B8BC021E2}" type="datetimeFigureOut">
               <a:rPr lang="hu-HU" smtClean="0"/>
-              <a:t>2024. 12. 12.</a:t>
+              <a:t>2024. 12. 14.</a:t>
             </a:fld>
             <a:endParaRPr lang="hu-HU"/>
           </a:p>
@@ -6068,7 +6703,7 @@
           <a:p>
             <a:fld id="{AFBF8AA6-221C-485A-AEDE-767B8BC021E2}" type="datetimeFigureOut">
               <a:rPr lang="hu-HU" smtClean="0"/>
-              <a:t>2024. 12. 12.</a:t>
+              <a:t>2024. 12. 14.</a:t>
             </a:fld>
             <a:endParaRPr lang="hu-HU"/>
           </a:p>
@@ -6926,6 +7561,11 @@
           </p:cNvGraphicFramePr>
           <p:nvPr>
             <p:ph idx="1"/>
+            <p:extLst>
+              <p:ext uri="{D42A27DB-BD31-4B8C-83A1-F6EECF244321}">
+                <p14:modId xmlns:p14="http://schemas.microsoft.com/office/powerpoint/2010/main" val="868496410"/>
+              </p:ext>
+            </p:extLst>
           </p:nvPr>
         </p:nvGraphicFramePr>
         <p:xfrm>
@@ -6952,6 +7592,525 @@
 </file>
 
 <file path=ppt/slides/slide3.xml><?xml version="1.0" encoding="utf-8"?>
+<p:sld xmlns:a="http://schemas.openxmlformats.org/drawingml/2006/main" xmlns:r="http://schemas.openxmlformats.org/officeDocument/2006/relationships" xmlns:p="http://schemas.openxmlformats.org/presentationml/2006/main">
+  <p:cSld>
+    <p:bg>
+      <p:bgPr>
+        <a:solidFill>
+          <a:schemeClr val="bg1"/>
+        </a:solidFill>
+        <a:effectLst/>
+      </p:bgPr>
+    </p:bg>
+    <p:spTree>
+      <p:nvGrpSpPr>
+        <p:cNvPr id="1" name=""/>
+        <p:cNvGrpSpPr/>
+        <p:nvPr/>
+      </p:nvGrpSpPr>
+      <p:grpSpPr>
+        <a:xfrm>
+          <a:off x="0" y="0"/>
+          <a:ext cx="0" cy="0"/>
+          <a:chOff x="0" y="0"/>
+          <a:chExt cx="0" cy="0"/>
+        </a:xfrm>
+      </p:grpSpPr>
+      <p:sp useBgFill="1">
+        <p:nvSpPr>
+          <p:cNvPr id="13" name="Rectangle 12">
+            <a:extLst>
+              <a:ext uri="{FF2B5EF4-FFF2-40B4-BE49-F238E27FC236}">
+                <a16:creationId xmlns:a16="http://schemas.microsoft.com/office/drawing/2014/main" id="{93245F62-CCC4-49E4-B95B-EA6C1E790510}"/>
+              </a:ext>
+              <a:ext uri="{C183D7F6-B498-43B3-948B-1728B52AA6E4}">
+                <adec:decorative xmlns:adec="http://schemas.microsoft.com/office/drawing/2017/decorative" val="1"/>
+              </a:ext>
+            </a:extLst>
+          </p:cNvPr>
+          <p:cNvSpPr>
+            <a:spLocks noGrp="1" noRot="1" noChangeAspect="1" noMove="1" noResize="1" noEditPoints="1" noAdjustHandles="1" noChangeArrowheads="1" noChangeShapeType="1" noTextEdit="1"/>
+          </p:cNvSpPr>
+          <p:nvPr>
+            <p:extLst>
+              <p:ext uri="{386F3935-93C4-4BCD-93E2-E3B085C9AB24}">
+                <p16:designElem xmlns:p16="http://schemas.microsoft.com/office/powerpoint/2015/main" val="1"/>
+              </p:ext>
+            </p:extLst>
+          </p:nvPr>
+        </p:nvSpPr>
+        <p:spPr>
+          <a:xfrm>
+            <a:off x="0" y="0"/>
+            <a:ext cx="12192000" cy="6858000"/>
+          </a:xfrm>
+          <a:prstGeom prst="rect">
+            <a:avLst/>
+          </a:prstGeom>
+          <a:ln>
+            <a:noFill/>
+          </a:ln>
+        </p:spPr>
+        <p:style>
+          <a:lnRef idx="2">
+            <a:schemeClr val="accent1">
+              <a:shade val="50000"/>
+            </a:schemeClr>
+          </a:lnRef>
+          <a:fillRef idx="1">
+            <a:schemeClr val="accent1"/>
+          </a:fillRef>
+          <a:effectRef idx="0">
+            <a:schemeClr val="accent1"/>
+          </a:effectRef>
+          <a:fontRef idx="minor">
+            <a:schemeClr val="lt1"/>
+          </a:fontRef>
+        </p:style>
+        <p:txBody>
+          <a:bodyPr rtlCol="0" anchor="ctr"/>
+          <a:lstStyle/>
+          <a:p>
+            <a:pPr algn="ctr"/>
+            <a:endParaRPr lang="en-US"/>
+          </a:p>
+        </p:txBody>
+      </p:sp>
+      <p:sp>
+        <p:nvSpPr>
+          <p:cNvPr id="2" name="Title 1">
+            <a:extLst>
+              <a:ext uri="{FF2B5EF4-FFF2-40B4-BE49-F238E27FC236}">
+                <a16:creationId xmlns:a16="http://schemas.microsoft.com/office/drawing/2014/main" id="{7CD92C6B-B9A8-4851-ECD8-A98CE1C60B7C}"/>
+              </a:ext>
+            </a:extLst>
+          </p:cNvPr>
+          <p:cNvSpPr>
+            <a:spLocks noGrp="1"/>
+          </p:cNvSpPr>
+          <p:nvPr>
+            <p:ph type="title"/>
+          </p:nvPr>
+        </p:nvSpPr>
+        <p:spPr>
+          <a:xfrm>
+            <a:off x="638882" y="3577456"/>
+            <a:ext cx="10909640" cy="1687814"/>
+          </a:xfrm>
+        </p:spPr>
+        <p:txBody>
+          <a:bodyPr vert="horz" lIns="91440" tIns="45720" rIns="91440" bIns="45720" rtlCol="0" anchor="b">
+            <a:normAutofit/>
+          </a:bodyPr>
+          <a:lstStyle/>
+          <a:p>
+            <a:pPr algn="ctr"/>
+            <a:r>
+              <a:rPr lang="en-US" sz="6600" kern="1200">
+                <a:solidFill>
+                  <a:schemeClr val="tx1"/>
+                </a:solidFill>
+                <a:latin typeface="+mj-lt"/>
+                <a:ea typeface="+mj-ea"/>
+                <a:cs typeface="+mj-cs"/>
+              </a:rPr>
+              <a:t>Adatbázis diagram</a:t>
+            </a:r>
+          </a:p>
+        </p:txBody>
+      </p:sp>
+      <p:pic>
+        <p:nvPicPr>
+          <p:cNvPr id="4" name="Picture 3">
+            <a:extLst>
+              <a:ext uri="{FF2B5EF4-FFF2-40B4-BE49-F238E27FC236}">
+                <a16:creationId xmlns:a16="http://schemas.microsoft.com/office/drawing/2014/main" id="{3661E4B5-567C-FEAA-52EE-E714841688AC}"/>
+              </a:ext>
+            </a:extLst>
+          </p:cNvPr>
+          <p:cNvPicPr>
+            <a:picLocks noChangeAspect="1"/>
+          </p:cNvPicPr>
+          <p:nvPr/>
+        </p:nvPicPr>
+        <p:blipFill>
+          <a:blip r:embed="rId2">
+            <a:extLst>
+              <a:ext uri="{28A0092B-C50C-407E-A947-70E740481C1C}">
+                <a14:useLocalDpi xmlns:a14="http://schemas.microsoft.com/office/drawing/2010/main" val="0"/>
+              </a:ext>
+            </a:extLst>
+          </a:blip>
+          <a:srcRect/>
+          <a:stretch/>
+        </p:blipFill>
+        <p:spPr>
+          <a:xfrm>
+            <a:off x="1633094" y="788139"/>
+            <a:ext cx="8921216" cy="3060184"/>
+          </a:xfrm>
+          <a:prstGeom prst="rect">
+            <a:avLst/>
+          </a:prstGeom>
+        </p:spPr>
+      </p:pic>
+      <p:sp>
+        <p:nvSpPr>
+          <p:cNvPr id="14" name="sketch line">
+            <a:extLst>
+              <a:ext uri="{FF2B5EF4-FFF2-40B4-BE49-F238E27FC236}">
+                <a16:creationId xmlns:a16="http://schemas.microsoft.com/office/drawing/2014/main" id="{E6C0DD6B-6AA3-448F-9B99-8386295BC1B4}"/>
+              </a:ext>
+              <a:ext uri="{C183D7F6-B498-43B3-948B-1728B52AA6E4}">
+                <adec:decorative xmlns:adec="http://schemas.microsoft.com/office/drawing/2017/decorative" val="1"/>
+              </a:ext>
+            </a:extLst>
+          </p:cNvPr>
+          <p:cNvSpPr>
+            <a:spLocks noGrp="1" noRot="1" noChangeAspect="1" noMove="1" noResize="1" noEditPoints="1" noAdjustHandles="1" noChangeArrowheads="1" noChangeShapeType="1" noTextEdit="1"/>
+          </p:cNvSpPr>
+          <p:nvPr>
+            <p:extLst>
+              <p:ext uri="{386F3935-93C4-4BCD-93E2-E3B085C9AB24}">
+                <p16:designElem xmlns:p16="http://schemas.microsoft.com/office/powerpoint/2015/main" val="1"/>
+              </p:ext>
+            </p:extLst>
+          </p:nvPr>
+        </p:nvSpPr>
+        <p:spPr>
+          <a:xfrm>
+            <a:off x="3807702" y="5509052"/>
+            <a:ext cx="4572000" cy="18288"/>
+          </a:xfrm>
+          <a:custGeom>
+            <a:avLst/>
+            <a:gdLst>
+              <a:gd name="connsiteX0" fmla="*/ 0 w 4572000"/>
+              <a:gd name="connsiteY0" fmla="*/ 0 h 18288"/>
+              <a:gd name="connsiteX1" fmla="*/ 515983 w 4572000"/>
+              <a:gd name="connsiteY1" fmla="*/ 0 h 18288"/>
+              <a:gd name="connsiteX2" fmla="*/ 1031966 w 4572000"/>
+              <a:gd name="connsiteY2" fmla="*/ 0 h 18288"/>
+              <a:gd name="connsiteX3" fmla="*/ 1639389 w 4572000"/>
+              <a:gd name="connsiteY3" fmla="*/ 0 h 18288"/>
+              <a:gd name="connsiteX4" fmla="*/ 2383971 w 4572000"/>
+              <a:gd name="connsiteY4" fmla="*/ 0 h 18288"/>
+              <a:gd name="connsiteX5" fmla="*/ 2945674 w 4572000"/>
+              <a:gd name="connsiteY5" fmla="*/ 0 h 18288"/>
+              <a:gd name="connsiteX6" fmla="*/ 3507377 w 4572000"/>
+              <a:gd name="connsiteY6" fmla="*/ 0 h 18288"/>
+              <a:gd name="connsiteX7" fmla="*/ 4572000 w 4572000"/>
+              <a:gd name="connsiteY7" fmla="*/ 0 h 18288"/>
+              <a:gd name="connsiteX8" fmla="*/ 4572000 w 4572000"/>
+              <a:gd name="connsiteY8" fmla="*/ 18288 h 18288"/>
+              <a:gd name="connsiteX9" fmla="*/ 3873137 w 4572000"/>
+              <a:gd name="connsiteY9" fmla="*/ 18288 h 18288"/>
+              <a:gd name="connsiteX10" fmla="*/ 3311434 w 4572000"/>
+              <a:gd name="connsiteY10" fmla="*/ 18288 h 18288"/>
+              <a:gd name="connsiteX11" fmla="*/ 2749731 w 4572000"/>
+              <a:gd name="connsiteY11" fmla="*/ 18288 h 18288"/>
+              <a:gd name="connsiteX12" fmla="*/ 2050869 w 4572000"/>
+              <a:gd name="connsiteY12" fmla="*/ 18288 h 18288"/>
+              <a:gd name="connsiteX13" fmla="*/ 1306286 w 4572000"/>
+              <a:gd name="connsiteY13" fmla="*/ 18288 h 18288"/>
+              <a:gd name="connsiteX14" fmla="*/ 790303 w 4572000"/>
+              <a:gd name="connsiteY14" fmla="*/ 18288 h 18288"/>
+              <a:gd name="connsiteX15" fmla="*/ 0 w 4572000"/>
+              <a:gd name="connsiteY15" fmla="*/ 18288 h 18288"/>
+              <a:gd name="connsiteX16" fmla="*/ 0 w 4572000"/>
+              <a:gd name="connsiteY16" fmla="*/ 0 h 18288"/>
+            </a:gdLst>
+            <a:ahLst/>
+            <a:cxnLst>
+              <a:cxn ang="0">
+                <a:pos x="connsiteX0" y="connsiteY0"/>
+              </a:cxn>
+              <a:cxn ang="0">
+                <a:pos x="connsiteX1" y="connsiteY1"/>
+              </a:cxn>
+              <a:cxn ang="0">
+                <a:pos x="connsiteX2" y="connsiteY2"/>
+              </a:cxn>
+              <a:cxn ang="0">
+                <a:pos x="connsiteX3" y="connsiteY3"/>
+              </a:cxn>
+              <a:cxn ang="0">
+                <a:pos x="connsiteX4" y="connsiteY4"/>
+              </a:cxn>
+              <a:cxn ang="0">
+                <a:pos x="connsiteX5" y="connsiteY5"/>
+              </a:cxn>
+              <a:cxn ang="0">
+                <a:pos x="connsiteX6" y="connsiteY6"/>
+              </a:cxn>
+              <a:cxn ang="0">
+                <a:pos x="connsiteX7" y="connsiteY7"/>
+              </a:cxn>
+              <a:cxn ang="0">
+                <a:pos x="connsiteX8" y="connsiteY8"/>
+              </a:cxn>
+              <a:cxn ang="0">
+                <a:pos x="connsiteX9" y="connsiteY9"/>
+              </a:cxn>
+              <a:cxn ang="0">
+                <a:pos x="connsiteX10" y="connsiteY10"/>
+              </a:cxn>
+              <a:cxn ang="0">
+                <a:pos x="connsiteX11" y="connsiteY11"/>
+              </a:cxn>
+              <a:cxn ang="0">
+                <a:pos x="connsiteX12" y="connsiteY12"/>
+              </a:cxn>
+              <a:cxn ang="0">
+                <a:pos x="connsiteX13" y="connsiteY13"/>
+              </a:cxn>
+              <a:cxn ang="0">
+                <a:pos x="connsiteX14" y="connsiteY14"/>
+              </a:cxn>
+              <a:cxn ang="0">
+                <a:pos x="connsiteX15" y="connsiteY15"/>
+              </a:cxn>
+              <a:cxn ang="0">
+                <a:pos x="connsiteX16" y="connsiteY16"/>
+              </a:cxn>
+            </a:cxnLst>
+            <a:rect l="l" t="t" r="r" b="b"/>
+            <a:pathLst>
+              <a:path w="4572000" h="18288" fill="none" extrusionOk="0">
+                <a:moveTo>
+                  <a:pt x="0" y="0"/>
+                </a:moveTo>
+                <a:cubicBezTo>
+                  <a:pt x="105156" y="-20963"/>
+                  <a:pt x="340432" y="822"/>
+                  <a:pt x="515983" y="0"/>
+                </a:cubicBezTo>
+                <a:cubicBezTo>
+                  <a:pt x="691534" y="-822"/>
+                  <a:pt x="850679" y="16479"/>
+                  <a:pt x="1031966" y="0"/>
+                </a:cubicBezTo>
+                <a:cubicBezTo>
+                  <a:pt x="1213253" y="-16479"/>
+                  <a:pt x="1443646" y="-18730"/>
+                  <a:pt x="1639389" y="0"/>
+                </a:cubicBezTo>
+                <a:cubicBezTo>
+                  <a:pt x="1835132" y="18730"/>
+                  <a:pt x="2159975" y="18531"/>
+                  <a:pt x="2383971" y="0"/>
+                </a:cubicBezTo>
+                <a:cubicBezTo>
+                  <a:pt x="2607967" y="-18531"/>
+                  <a:pt x="2719096" y="-12030"/>
+                  <a:pt x="2945674" y="0"/>
+                </a:cubicBezTo>
+                <a:cubicBezTo>
+                  <a:pt x="3172252" y="12030"/>
+                  <a:pt x="3269167" y="27666"/>
+                  <a:pt x="3507377" y="0"/>
+                </a:cubicBezTo>
+                <a:cubicBezTo>
+                  <a:pt x="3745587" y="-27666"/>
+                  <a:pt x="4116741" y="18705"/>
+                  <a:pt x="4572000" y="0"/>
+                </a:cubicBezTo>
+                <a:cubicBezTo>
+                  <a:pt x="4572895" y="8974"/>
+                  <a:pt x="4571454" y="9359"/>
+                  <a:pt x="4572000" y="18288"/>
+                </a:cubicBezTo>
+                <a:cubicBezTo>
+                  <a:pt x="4374698" y="3942"/>
+                  <a:pt x="4098874" y="-11042"/>
+                  <a:pt x="3873137" y="18288"/>
+                </a:cubicBezTo>
+                <a:cubicBezTo>
+                  <a:pt x="3647400" y="47618"/>
+                  <a:pt x="3517055" y="5421"/>
+                  <a:pt x="3311434" y="18288"/>
+                </a:cubicBezTo>
+                <a:cubicBezTo>
+                  <a:pt x="3105813" y="31155"/>
+                  <a:pt x="3025168" y="17856"/>
+                  <a:pt x="2749731" y="18288"/>
+                </a:cubicBezTo>
+                <a:cubicBezTo>
+                  <a:pt x="2474294" y="18720"/>
+                  <a:pt x="2291766" y="-14168"/>
+                  <a:pt x="2050869" y="18288"/>
+                </a:cubicBezTo>
+                <a:cubicBezTo>
+                  <a:pt x="1809972" y="50744"/>
+                  <a:pt x="1540276" y="46798"/>
+                  <a:pt x="1306286" y="18288"/>
+                </a:cubicBezTo>
+                <a:cubicBezTo>
+                  <a:pt x="1072296" y="-10222"/>
+                  <a:pt x="972445" y="19645"/>
+                  <a:pt x="790303" y="18288"/>
+                </a:cubicBezTo>
+                <a:cubicBezTo>
+                  <a:pt x="608161" y="16931"/>
+                  <a:pt x="200981" y="8241"/>
+                  <a:pt x="0" y="18288"/>
+                </a:cubicBezTo>
+                <a:cubicBezTo>
+                  <a:pt x="-229" y="14222"/>
+                  <a:pt x="509" y="5816"/>
+                  <a:pt x="0" y="0"/>
+                </a:cubicBezTo>
+                <a:close/>
+              </a:path>
+              <a:path w="4572000" h="18288" stroke="0" extrusionOk="0">
+                <a:moveTo>
+                  <a:pt x="0" y="0"/>
+                </a:moveTo>
+                <a:cubicBezTo>
+                  <a:pt x="143285" y="-9565"/>
+                  <a:pt x="327959" y="-11498"/>
+                  <a:pt x="561703" y="0"/>
+                </a:cubicBezTo>
+                <a:cubicBezTo>
+                  <a:pt x="795447" y="11498"/>
+                  <a:pt x="838260" y="18255"/>
+                  <a:pt x="1077686" y="0"/>
+                </a:cubicBezTo>
+                <a:cubicBezTo>
+                  <a:pt x="1317112" y="-18255"/>
+                  <a:pt x="1437472" y="23514"/>
+                  <a:pt x="1639389" y="0"/>
+                </a:cubicBezTo>
+                <a:cubicBezTo>
+                  <a:pt x="1841306" y="-23514"/>
+                  <a:pt x="2037142" y="-12551"/>
+                  <a:pt x="2292531" y="0"/>
+                </a:cubicBezTo>
+                <a:cubicBezTo>
+                  <a:pt x="2547920" y="12551"/>
+                  <a:pt x="2810436" y="-20352"/>
+                  <a:pt x="2991394" y="0"/>
+                </a:cubicBezTo>
+                <a:cubicBezTo>
+                  <a:pt x="3172352" y="20352"/>
+                  <a:pt x="3530025" y="-13347"/>
+                  <a:pt x="3735977" y="0"/>
+                </a:cubicBezTo>
+                <a:cubicBezTo>
+                  <a:pt x="3941929" y="13347"/>
+                  <a:pt x="4161497" y="34086"/>
+                  <a:pt x="4572000" y="0"/>
+                </a:cubicBezTo>
+                <a:cubicBezTo>
+                  <a:pt x="4571545" y="6162"/>
+                  <a:pt x="4571903" y="11775"/>
+                  <a:pt x="4572000" y="18288"/>
+                </a:cubicBezTo>
+                <a:cubicBezTo>
+                  <a:pt x="4228040" y="36490"/>
+                  <a:pt x="4199736" y="42557"/>
+                  <a:pt x="3873137" y="18288"/>
+                </a:cubicBezTo>
+                <a:cubicBezTo>
+                  <a:pt x="3546538" y="-5981"/>
+                  <a:pt x="3472124" y="16809"/>
+                  <a:pt x="3128554" y="18288"/>
+                </a:cubicBezTo>
+                <a:cubicBezTo>
+                  <a:pt x="2784984" y="19767"/>
+                  <a:pt x="2735896" y="-17781"/>
+                  <a:pt x="2383971" y="18288"/>
+                </a:cubicBezTo>
+                <a:cubicBezTo>
+                  <a:pt x="2032046" y="54357"/>
+                  <a:pt x="2019324" y="2920"/>
+                  <a:pt x="1867989" y="18288"/>
+                </a:cubicBezTo>
+                <a:cubicBezTo>
+                  <a:pt x="1716654" y="33656"/>
+                  <a:pt x="1418675" y="32575"/>
+                  <a:pt x="1169126" y="18288"/>
+                </a:cubicBezTo>
+                <a:cubicBezTo>
+                  <a:pt x="919577" y="4001"/>
+                  <a:pt x="798537" y="16165"/>
+                  <a:pt x="561703" y="18288"/>
+                </a:cubicBezTo>
+                <a:cubicBezTo>
+                  <a:pt x="324869" y="20411"/>
+                  <a:pt x="221395" y="-912"/>
+                  <a:pt x="0" y="18288"/>
+                </a:cubicBezTo>
+                <a:cubicBezTo>
+                  <a:pt x="766" y="10800"/>
+                  <a:pt x="-457" y="8180"/>
+                  <a:pt x="0" y="0"/>
+                </a:cubicBezTo>
+                <a:close/>
+              </a:path>
+            </a:pathLst>
+          </a:custGeom>
+          <a:solidFill>
+            <a:schemeClr val="accent2"/>
+          </a:solidFill>
+          <a:ln w="41275" cap="rnd">
+            <a:solidFill>
+              <a:schemeClr val="accent2"/>
+            </a:solidFill>
+            <a:round/>
+            <a:extLst>
+              <a:ext uri="{C807C97D-BFC1-408E-A445-0C87EB9F89A2}">
+                <ask:lineSketchStyleProps xmlns:ask="http://schemas.microsoft.com/office/drawing/2018/sketchyshapes" sd="2727557108">
+                  <a:prstGeom prst="rect">
+                    <a:avLst/>
+                  </a:prstGeom>
+                  <ask:type>
+                    <ask:lineSketchFreehand/>
+                  </ask:type>
+                </ask:lineSketchStyleProps>
+              </a:ext>
+            </a:extLst>
+          </a:ln>
+        </p:spPr>
+        <p:style>
+          <a:lnRef idx="2">
+            <a:schemeClr val="accent1">
+              <a:shade val="50000"/>
+            </a:schemeClr>
+          </a:lnRef>
+          <a:fillRef idx="1">
+            <a:schemeClr val="accent1"/>
+          </a:fillRef>
+          <a:effectRef idx="0">
+            <a:schemeClr val="accent1"/>
+          </a:effectRef>
+          <a:fontRef idx="minor">
+            <a:schemeClr val="lt1"/>
+          </a:fontRef>
+        </p:style>
+        <p:txBody>
+          <a:bodyPr rtlCol="0" anchor="ctr"/>
+          <a:lstStyle/>
+          <a:p>
+            <a:pPr algn="ctr"/>
+            <a:endParaRPr lang="en-US"/>
+          </a:p>
+        </p:txBody>
+      </p:sp>
+    </p:spTree>
+    <p:extLst>
+      <p:ext uri="{BB962C8B-B14F-4D97-AF65-F5344CB8AC3E}">
+        <p14:creationId xmlns:p14="http://schemas.microsoft.com/office/powerpoint/2010/main" val="641941356"/>
+      </p:ext>
+    </p:extLst>
+  </p:cSld>
+  <p:clrMapOvr>
+    <a:masterClrMapping/>
+  </p:clrMapOvr>
+</p:sld>
+</file>
+
+<file path=ppt/slides/slide4.xml><?xml version="1.0" encoding="utf-8"?>
 <p:sld xmlns:a="http://schemas.openxmlformats.org/drawingml/2006/main" xmlns:r="http://schemas.openxmlformats.org/officeDocument/2006/relationships" xmlns:p="http://schemas.openxmlformats.org/presentationml/2006/main">
   <p:cSld>
     <p:bg>
@@ -7111,7 +8270,7 @@
 </p:sld>
 </file>
 
-<file path=ppt/slides/slide4.xml><?xml version="1.0" encoding="utf-8"?>
+<file path=ppt/slides/slide5.xml><?xml version="1.0" encoding="utf-8"?>
 <p:sld xmlns:a="http://schemas.openxmlformats.org/drawingml/2006/main" xmlns:r="http://schemas.openxmlformats.org/officeDocument/2006/relationships" xmlns:p="http://schemas.openxmlformats.org/presentationml/2006/main">
   <p:cSld>
     <p:spTree>
@@ -8387,7 +9546,7 @@
 </p:sld>
 </file>
 
-<file path=ppt/slides/slide5.xml><?xml version="1.0" encoding="utf-8"?>
+<file path=ppt/slides/slide6.xml><?xml version="1.0" encoding="utf-8"?>
 <p:sld xmlns:a="http://schemas.openxmlformats.org/drawingml/2006/main" xmlns:r="http://schemas.openxmlformats.org/officeDocument/2006/relationships" xmlns:p="http://schemas.openxmlformats.org/presentationml/2006/main">
   <p:cSld>
     <p:bg>
@@ -9422,7 +10581,7 @@
 </p:sld>
 </file>
 
-<file path=ppt/slides/slide6.xml><?xml version="1.0" encoding="utf-8"?>
+<file path=ppt/slides/slide7.xml><?xml version="1.0" encoding="utf-8"?>
 <p:sld xmlns:a="http://schemas.openxmlformats.org/drawingml/2006/main" xmlns:r="http://schemas.openxmlformats.org/officeDocument/2006/relationships" xmlns:p="http://schemas.openxmlformats.org/presentationml/2006/main">
   <p:cSld>
     <p:spTree>
@@ -12748,7 +13907,7 @@
 </p:sld>
 </file>
 
-<file path=ppt/slides/slide7.xml><?xml version="1.0" encoding="utf-8"?>
+<file path=ppt/slides/slide8.xml><?xml version="1.0" encoding="utf-8"?>
 <p:sld xmlns:a="http://schemas.openxmlformats.org/drawingml/2006/main" xmlns:r="http://schemas.openxmlformats.org/officeDocument/2006/relationships" xmlns:p="http://schemas.openxmlformats.org/presentationml/2006/main">
   <p:cSld>
     <p:spTree>
@@ -14083,7 +15242,7 @@
 </p:sld>
 </file>
 
-<file path=ppt/slides/slide8.xml><?xml version="1.0" encoding="utf-8"?>
+<file path=ppt/slides/slide9.xml><?xml version="1.0" encoding="utf-8"?>
 <p:sld xmlns:a="http://schemas.openxmlformats.org/drawingml/2006/main" xmlns:r="http://schemas.openxmlformats.org/officeDocument/2006/relationships" xmlns:p="http://schemas.openxmlformats.org/presentationml/2006/main">
   <p:cSld>
     <p:bg>
@@ -14110,10 +15269,10 @@
       </p:grpSpPr>
       <p:sp useBgFill="1">
         <p:nvSpPr>
-          <p:cNvPr id="19" name="Rectangle 18">
+          <p:cNvPr id="39" name="Rectangle 38">
             <a:extLst>
               <a:ext uri="{FF2B5EF4-FFF2-40B4-BE49-F238E27FC236}">
-                <a16:creationId xmlns:a16="http://schemas.microsoft.com/office/drawing/2014/main" id="{934F1179-B481-4F9E-BCA3-AFB972070F83}"/>
+                <a16:creationId xmlns:a16="http://schemas.microsoft.com/office/drawing/2014/main" id="{1ACA2EA0-FFD3-42EC-9406-B595015ED96E}"/>
               </a:ext>
               <a:ext uri="{C183D7F6-B498-43B3-948B-1728B52AA6E4}">
                 <adec:decorative xmlns:adec="http://schemas.microsoft.com/office/drawing/2017/decorative" val="1"/>
@@ -14168,12 +15327,12 @@
           </a:p>
         </p:txBody>
       </p:sp>
-      <p:sp>
+      <p:sp useBgFill="1">
         <p:nvSpPr>
-          <p:cNvPr id="20" name="Right Triangle 19">
+          <p:cNvPr id="40" name="Rectangle 39">
             <a:extLst>
               <a:ext uri="{FF2B5EF4-FFF2-40B4-BE49-F238E27FC236}">
-                <a16:creationId xmlns:a16="http://schemas.microsoft.com/office/drawing/2014/main" id="{827DC2C4-B485-428A-BF4A-472D2967F47F}"/>
+                <a16:creationId xmlns:a16="http://schemas.microsoft.com/office/drawing/2014/main" id="{D5288BCE-665C-472A-8C43-664BCFA31E43}"/>
               </a:ext>
               <a:ext uri="{C183D7F6-B498-43B3-948B-1728B52AA6E4}">
                 <adec:decorative xmlns:adec="http://schemas.microsoft.com/office/drawing/2017/decorative" val="1"/>
@@ -14192,15 +15351,138 @@
           </p:nvPr>
         </p:nvSpPr>
         <p:spPr>
-          <a:xfrm flipH="1">
-            <a:off x="8576720" y="3335867"/>
-            <a:ext cx="3291840" cy="3200400"/>
+          <a:xfrm>
+            <a:off x="1528762" y="1247775"/>
+            <a:ext cx="9144000" cy="3007447"/>
           </a:xfrm>
-          <a:prstGeom prst="rtTriangle">
+          <a:prstGeom prst="rect">
             <a:avLst/>
           </a:prstGeom>
           <a:solidFill>
-            <a:schemeClr val="accent4"/>
+            <a:schemeClr val="bg1"/>
+          </a:solidFill>
+          <a:ln w="12700">
+            <a:solidFill>
+              <a:srgbClr val="E1E1E1"/>
+            </a:solidFill>
+          </a:ln>
+          <a:effectLst>
+            <a:outerShdw blurRad="50800" dist="38100" dir="2700000" algn="tl" rotWithShape="0">
+              <a:schemeClr val="bg1">
+                <a:lumMod val="85000"/>
+                <a:alpha val="50000"/>
+              </a:schemeClr>
+            </a:outerShdw>
+          </a:effectLst>
+        </p:spPr>
+        <p:style>
+          <a:lnRef idx="2">
+            <a:schemeClr val="accent1">
+              <a:shade val="50000"/>
+            </a:schemeClr>
+          </a:lnRef>
+          <a:fillRef idx="1">
+            <a:schemeClr val="accent1"/>
+          </a:fillRef>
+          <a:effectRef idx="0">
+            <a:schemeClr val="accent1"/>
+          </a:effectRef>
+          <a:fontRef idx="minor">
+            <a:schemeClr val="lt1"/>
+          </a:fontRef>
+        </p:style>
+        <p:txBody>
+          <a:bodyPr rtlCol="0" anchor="ctr"/>
+          <a:lstStyle/>
+          <a:p>
+            <a:pPr algn="ctr"/>
+            <a:endParaRPr lang="en-US">
+              <a:solidFill>
+                <a:prstClr val="white"/>
+              </a:solidFill>
+              <a:latin typeface="Calibri" panose="020F0502020204030204"/>
+            </a:endParaRPr>
+          </a:p>
+        </p:txBody>
+      </p:sp>
+      <p:sp>
+        <p:nvSpPr>
+          <p:cNvPr id="2" name="Title 1">
+            <a:extLst>
+              <a:ext uri="{FF2B5EF4-FFF2-40B4-BE49-F238E27FC236}">
+                <a16:creationId xmlns:a16="http://schemas.microsoft.com/office/drawing/2014/main" id="{311644B1-7BBD-A69A-9644-057AFF01874F}"/>
+              </a:ext>
+            </a:extLst>
+          </p:cNvPr>
+          <p:cNvSpPr>
+            <a:spLocks noGrp="1"/>
+          </p:cNvSpPr>
+          <p:nvPr>
+            <p:ph type="title"/>
+          </p:nvPr>
+        </p:nvSpPr>
+        <p:spPr>
+          <a:xfrm>
+            <a:off x="1804988" y="1442172"/>
+            <a:ext cx="8582025" cy="2177328"/>
+          </a:xfrm>
+        </p:spPr>
+        <p:txBody>
+          <a:bodyPr vert="horz" lIns="91440" tIns="45720" rIns="91440" bIns="45720" rtlCol="0" anchor="ctr">
+            <a:normAutofit/>
+          </a:bodyPr>
+          <a:lstStyle/>
+          <a:p>
+            <a:pPr algn="ctr"/>
+            <a:r>
+              <a:rPr lang="en-US" sz="6600" kern="1200">
+                <a:solidFill>
+                  <a:schemeClr val="tx1"/>
+                </a:solidFill>
+                <a:latin typeface="+mj-lt"/>
+                <a:ea typeface="+mj-ea"/>
+                <a:cs typeface="+mj-cs"/>
+              </a:rPr>
+              <a:t>Köszönöm a figyelmet!</a:t>
+            </a:r>
+          </a:p>
+        </p:txBody>
+      </p:sp>
+      <p:sp>
+        <p:nvSpPr>
+          <p:cNvPr id="41" name="Rectangle: Rounded Corners 40">
+            <a:extLst>
+              <a:ext uri="{FF2B5EF4-FFF2-40B4-BE49-F238E27FC236}">
+                <a16:creationId xmlns:a16="http://schemas.microsoft.com/office/drawing/2014/main" id="{46C57131-53A7-4C1A-BEA8-25F06A06AD29}"/>
+              </a:ext>
+              <a:ext uri="{C183D7F6-B498-43B3-948B-1728B52AA6E4}">
+                <adec:decorative xmlns:adec="http://schemas.microsoft.com/office/drawing/2017/decorative" val="1"/>
+              </a:ext>
+            </a:extLst>
+          </p:cNvPr>
+          <p:cNvSpPr>
+            <a:spLocks noGrp="1" noRot="1" noChangeAspect="1" noMove="1" noResize="1" noEditPoints="1" noAdjustHandles="1" noChangeArrowheads="1" noChangeShapeType="1" noTextEdit="1"/>
+          </p:cNvSpPr>
+          <p:nvPr>
+            <p:extLst>
+              <p:ext uri="{386F3935-93C4-4BCD-93E2-E3B085C9AB24}">
+                <p16:designElem xmlns:p16="http://schemas.microsoft.com/office/powerpoint/2015/main" val="1"/>
+              </p:ext>
+            </p:extLst>
+          </p:nvPr>
+        </p:nvSpPr>
+        <p:spPr>
+          <a:xfrm>
+            <a:off x="2487872" y="3912322"/>
+            <a:ext cx="7225780" cy="685800"/>
+          </a:xfrm>
+          <a:prstGeom prst="roundRect">
+            <a:avLst>
+              <a:gd name="adj" fmla="val 0"/>
+            </a:avLst>
+          </a:prstGeom>
+          <a:solidFill>
+            <a:schemeClr val="accent2"/>
           </a:solidFill>
           <a:ln>
             <a:noFill/>
@@ -14227,148 +15509,7 @@
           <a:lstStyle/>
           <a:p>
             <a:pPr algn="ctr"/>
-            <a:endParaRPr lang="en-US" dirty="0"/>
-          </a:p>
-        </p:txBody>
-      </p:sp>
-      <p:sp>
-        <p:nvSpPr>
-          <p:cNvPr id="21" name="Rectangle 20">
-            <a:extLst>
-              <a:ext uri="{FF2B5EF4-FFF2-40B4-BE49-F238E27FC236}">
-                <a16:creationId xmlns:a16="http://schemas.microsoft.com/office/drawing/2014/main" id="{EE04B5EB-F158-4507-90DD-BD23620C7CC9}"/>
-              </a:ext>
-              <a:ext uri="{C183D7F6-B498-43B3-948B-1728B52AA6E4}">
-                <adec:decorative xmlns:adec="http://schemas.microsoft.com/office/drawing/2017/decorative" val="1"/>
-              </a:ext>
-            </a:extLst>
-          </p:cNvPr>
-          <p:cNvSpPr>
-            <a:spLocks noGrp="1" noRot="1" noChangeAspect="1" noMove="1" noResize="1" noEditPoints="1" noAdjustHandles="1" noChangeArrowheads="1" noChangeShapeType="1" noTextEdit="1"/>
-          </p:cNvSpPr>
-          <p:nvPr>
-            <p:extLst>
-              <p:ext uri="{386F3935-93C4-4BCD-93E2-E3B085C9AB24}">
-                <p16:designElem xmlns:p16="http://schemas.microsoft.com/office/powerpoint/2015/main" val="1"/>
-              </p:ext>
-            </p:extLst>
-          </p:nvPr>
-        </p:nvSpPr>
-        <p:spPr>
-          <a:xfrm>
-            <a:off x="641774" y="623275"/>
-            <a:ext cx="10905053" cy="5607882"/>
-          </a:xfrm>
-          <a:prstGeom prst="rect">
-            <a:avLst/>
-          </a:prstGeom>
-          <a:noFill/>
-          <a:ln w="19050">
-            <a:solidFill>
-              <a:schemeClr val="tx1">
-                <a:lumMod val="75000"/>
-                <a:lumOff val="25000"/>
-              </a:schemeClr>
-            </a:solidFill>
-          </a:ln>
-        </p:spPr>
-        <p:style>
-          <a:lnRef idx="2">
-            <a:schemeClr val="accent1">
-              <a:shade val="50000"/>
-            </a:schemeClr>
-          </a:lnRef>
-          <a:fillRef idx="1">
-            <a:schemeClr val="accent1"/>
-          </a:fillRef>
-          <a:effectRef idx="0">
-            <a:schemeClr val="accent1"/>
-          </a:effectRef>
-          <a:fontRef idx="minor">
-            <a:schemeClr val="lt1"/>
-          </a:fontRef>
-        </p:style>
-        <p:txBody>
-          <a:bodyPr rtlCol="0" anchor="ctr"/>
-          <a:lstStyle/>
-          <a:p>
-            <a:pPr algn="ctr"/>
             <a:endParaRPr lang="en-US"/>
-          </a:p>
-        </p:txBody>
-      </p:sp>
-      <p:sp>
-        <p:nvSpPr>
-          <p:cNvPr id="2" name="Title 1">
-            <a:extLst>
-              <a:ext uri="{FF2B5EF4-FFF2-40B4-BE49-F238E27FC236}">
-                <a16:creationId xmlns:a16="http://schemas.microsoft.com/office/drawing/2014/main" id="{311644B1-7BBD-A69A-9644-057AFF01874F}"/>
-              </a:ext>
-            </a:extLst>
-          </p:cNvPr>
-          <p:cNvSpPr>
-            <a:spLocks noGrp="1"/>
-          </p:cNvSpPr>
-          <p:nvPr>
-            <p:ph type="title"/>
-          </p:nvPr>
-        </p:nvSpPr>
-        <p:spPr>
-          <a:xfrm>
-            <a:off x="1478595" y="2760274"/>
-            <a:ext cx="9231410" cy="1151186"/>
-          </a:xfrm>
-        </p:spPr>
-        <p:txBody>
-          <a:bodyPr vert="horz" lIns="91440" tIns="45720" rIns="91440" bIns="45720" rtlCol="0" anchor="b">
-            <a:normAutofit/>
-          </a:bodyPr>
-          <a:lstStyle/>
-          <a:p>
-            <a:r>
-              <a:rPr lang="en-US" sz="7200" kern="1200" dirty="0" err="1">
-                <a:solidFill>
-                  <a:schemeClr val="tx1"/>
-                </a:solidFill>
-                <a:latin typeface="+mj-lt"/>
-                <a:ea typeface="+mj-ea"/>
-                <a:cs typeface="+mj-cs"/>
-              </a:rPr>
-              <a:t>Köszönöm</a:t>
-            </a:r>
-            <a:r>
-              <a:rPr lang="en-US" sz="7200" kern="1200" dirty="0">
-                <a:solidFill>
-                  <a:schemeClr val="tx1"/>
-                </a:solidFill>
-                <a:latin typeface="+mj-lt"/>
-                <a:ea typeface="+mj-ea"/>
-                <a:cs typeface="+mj-cs"/>
-              </a:rPr>
-              <a:t> a </a:t>
-            </a:r>
-            <a:r>
-              <a:rPr lang="en-US" sz="7200" kern="1200" dirty="0" err="1">
-                <a:solidFill>
-                  <a:schemeClr val="tx1"/>
-                </a:solidFill>
-                <a:latin typeface="+mj-lt"/>
-                <a:ea typeface="+mj-ea"/>
-                <a:cs typeface="+mj-cs"/>
-              </a:rPr>
-              <a:t>figyelmet</a:t>
-            </a:r>
-            <a:r>
-              <a:rPr lang="en-US" sz="7200" kern="1200" dirty="0">
-                <a:solidFill>
-                  <a:schemeClr val="tx1"/>
-                </a:solidFill>
-                <a:latin typeface="+mj-lt"/>
-                <a:ea typeface="+mj-ea"/>
-                <a:cs typeface="+mj-cs"/>
-              </a:rPr>
-              <a:t>!</a:t>
-            </a:r>
           </a:p>
         </p:txBody>
       </p:sp>
@@ -14698,4 +15839,319 @@
     </a:ext>
   </a:extLst>
 </a:theme>
+</file>
+
+<file path=ppt/theme/theme2.xml><?xml version="1.0" encoding="utf-8"?>
+<a:theme xmlns:a="http://schemas.openxmlformats.org/drawingml/2006/main" name="Office Theme">
+  <a:themeElements>
+    <a:clrScheme name="Office">
+      <a:dk1>
+        <a:sysClr val="windowText" lastClr="000000"/>
+      </a:dk1>
+      <a:lt1>
+        <a:sysClr val="window" lastClr="FFFFFF"/>
+      </a:lt1>
+      <a:dk2>
+        <a:srgbClr val="0E2841"/>
+      </a:dk2>
+      <a:lt2>
+        <a:srgbClr val="E8E8E8"/>
+      </a:lt2>
+      <a:accent1>
+        <a:srgbClr val="156082"/>
+      </a:accent1>
+      <a:accent2>
+        <a:srgbClr val="E97132"/>
+      </a:accent2>
+      <a:accent3>
+        <a:srgbClr val="196B24"/>
+      </a:accent3>
+      <a:accent4>
+        <a:srgbClr val="0F9ED5"/>
+      </a:accent4>
+      <a:accent5>
+        <a:srgbClr val="A02B93"/>
+      </a:accent5>
+      <a:accent6>
+        <a:srgbClr val="4EA72E"/>
+      </a:accent6>
+      <a:hlink>
+        <a:srgbClr val="467886"/>
+      </a:hlink>
+      <a:folHlink>
+        <a:srgbClr val="96607D"/>
+      </a:folHlink>
+    </a:clrScheme>
+    <a:fontScheme name="Office">
+      <a:majorFont>
+        <a:latin typeface="Aptos Display" panose="02110004020202020204"/>
+        <a:ea typeface=""/>
+        <a:cs typeface=""/>
+        <a:font script="Jpan" typeface="游ゴシック Light"/>
+        <a:font script="Hang" typeface="맑은 고딕"/>
+        <a:font script="Hans" typeface="等线 Light"/>
+        <a:font script="Hant" typeface="新細明體"/>
+        <a:font script="Arab" typeface="Times New Roman"/>
+        <a:font script="Hebr" typeface="Times New Roman"/>
+        <a:font script="Thai" typeface="Angsana New"/>
+        <a:font script="Ethi" typeface="Nyala"/>
+        <a:font script="Beng" typeface="Vrinda"/>
+        <a:font script="Gujr" typeface="Shruti"/>
+        <a:font script="Khmr" typeface="MoolBoran"/>
+        <a:font script="Knda" typeface="Tunga"/>
+        <a:font script="Guru" typeface="Raavi"/>
+        <a:font script="Cans" typeface="Euphemia"/>
+        <a:font script="Cher" typeface="Plantagenet Cherokee"/>
+        <a:font script="Yiii" typeface="Microsoft Yi Baiti"/>
+        <a:font script="Tibt" typeface="Microsoft Himalaya"/>
+        <a:font script="Thaa" typeface="MV Boli"/>
+        <a:font script="Deva" typeface="Mangal"/>
+        <a:font script="Telu" typeface="Gautami"/>
+        <a:font script="Taml" typeface="Latha"/>
+        <a:font script="Syrc" typeface="Estrangelo Edessa"/>
+        <a:font script="Orya" typeface="Kalinga"/>
+        <a:font script="Mlym" typeface="Kartika"/>
+        <a:font script="Laoo" typeface="DokChampa"/>
+        <a:font script="Sinh" typeface="Iskoola Pota"/>
+        <a:font script="Mong" typeface="Mongolian Baiti"/>
+        <a:font script="Viet" typeface="Times New Roman"/>
+        <a:font script="Uigh" typeface="Microsoft Uighur"/>
+        <a:font script="Geor" typeface="Sylfaen"/>
+        <a:font script="Armn" typeface="Arial"/>
+        <a:font script="Bugi" typeface="Leelawadee UI"/>
+        <a:font script="Bopo" typeface="Microsoft JhengHei"/>
+        <a:font script="Java" typeface="Javanese Text"/>
+        <a:font script="Lisu" typeface="Segoe UI"/>
+        <a:font script="Mymr" typeface="Myanmar Text"/>
+        <a:font script="Nkoo" typeface="Ebrima"/>
+        <a:font script="Olck" typeface="Nirmala UI"/>
+        <a:font script="Osma" typeface="Ebrima"/>
+        <a:font script="Phag" typeface="Phagspa"/>
+        <a:font script="Syrn" typeface="Estrangelo Edessa"/>
+        <a:font script="Syrj" typeface="Estrangelo Edessa"/>
+        <a:font script="Syre" typeface="Estrangelo Edessa"/>
+        <a:font script="Sora" typeface="Nirmala UI"/>
+        <a:font script="Tale" typeface="Microsoft Tai Le"/>
+        <a:font script="Talu" typeface="Microsoft New Tai Lue"/>
+        <a:font script="Tfng" typeface="Ebrima"/>
+      </a:majorFont>
+      <a:minorFont>
+        <a:latin typeface="Aptos" panose="02110004020202020204"/>
+        <a:ea typeface=""/>
+        <a:cs typeface=""/>
+        <a:font script="Jpan" typeface="游ゴシック"/>
+        <a:font script="Hang" typeface="맑은 고딕"/>
+        <a:font script="Hans" typeface="等线"/>
+        <a:font script="Hant" typeface="新細明體"/>
+        <a:font script="Arab" typeface="Arial"/>
+        <a:font script="Hebr" typeface="Arial"/>
+        <a:font script="Thai" typeface="Cordia New"/>
+        <a:font script="Ethi" typeface="Nyala"/>
+        <a:font script="Beng" typeface="Vrinda"/>
+        <a:font script="Gujr" typeface="Shruti"/>
+        <a:font script="Khmr" typeface="DaunPenh"/>
+        <a:font script="Knda" typeface="Tunga"/>
+        <a:font script="Guru" typeface="Raavi"/>
+        <a:font script="Cans" typeface="Euphemia"/>
+        <a:font script="Cher" typeface="Plantagenet Cherokee"/>
+        <a:font script="Yiii" typeface="Microsoft Yi Baiti"/>
+        <a:font script="Tibt" typeface="Microsoft Himalaya"/>
+        <a:font script="Thaa" typeface="MV Boli"/>
+        <a:font script="Deva" typeface="Mangal"/>
+        <a:font script="Telu" typeface="Gautami"/>
+        <a:font script="Taml" typeface="Latha"/>
+        <a:font script="Syrc" typeface="Estrangelo Edessa"/>
+        <a:font script="Orya" typeface="Kalinga"/>
+        <a:font script="Mlym" typeface="Kartika"/>
+        <a:font script="Laoo" typeface="DokChampa"/>
+        <a:font script="Sinh" typeface="Iskoola Pota"/>
+        <a:font script="Mong" typeface="Mongolian Baiti"/>
+        <a:font script="Viet" typeface="Arial"/>
+        <a:font script="Uigh" typeface="Microsoft Uighur"/>
+        <a:font script="Geor" typeface="Sylfaen"/>
+        <a:font script="Armn" typeface="Arial"/>
+        <a:font script="Bugi" typeface="Leelawadee UI"/>
+        <a:font script="Bopo" typeface="Microsoft JhengHei"/>
+        <a:font script="Java" typeface="Javanese Text"/>
+        <a:font script="Lisu" typeface="Segoe UI"/>
+        <a:font script="Mymr" typeface="Myanmar Text"/>
+        <a:font script="Nkoo" typeface="Ebrima"/>
+        <a:font script="Olck" typeface="Nirmala UI"/>
+        <a:font script="Osma" typeface="Ebrima"/>
+        <a:font script="Phag" typeface="Phagspa"/>
+        <a:font script="Syrn" typeface="Estrangelo Edessa"/>
+        <a:font script="Syrj" typeface="Estrangelo Edessa"/>
+        <a:font script="Syre" typeface="Estrangelo Edessa"/>
+        <a:font script="Sora" typeface="Nirmala UI"/>
+        <a:font script="Tale" typeface="Microsoft Tai Le"/>
+        <a:font script="Talu" typeface="Microsoft New Tai Lue"/>
+        <a:font script="Tfng" typeface="Ebrima"/>
+      </a:minorFont>
+    </a:fontScheme>
+    <a:fmtScheme name="Office">
+      <a:fillStyleLst>
+        <a:solidFill>
+          <a:schemeClr val="phClr"/>
+        </a:solidFill>
+        <a:gradFill rotWithShape="1">
+          <a:gsLst>
+            <a:gs pos="0">
+              <a:schemeClr val="phClr">
+                <a:lumMod val="110000"/>
+                <a:satMod val="105000"/>
+                <a:tint val="67000"/>
+              </a:schemeClr>
+            </a:gs>
+            <a:gs pos="50000">
+              <a:schemeClr val="phClr">
+                <a:lumMod val="105000"/>
+                <a:satMod val="103000"/>
+                <a:tint val="73000"/>
+              </a:schemeClr>
+            </a:gs>
+            <a:gs pos="100000">
+              <a:schemeClr val="phClr">
+                <a:lumMod val="105000"/>
+                <a:satMod val="109000"/>
+                <a:tint val="81000"/>
+              </a:schemeClr>
+            </a:gs>
+          </a:gsLst>
+          <a:lin ang="5400000" scaled="0"/>
+        </a:gradFill>
+        <a:gradFill rotWithShape="1">
+          <a:gsLst>
+            <a:gs pos="0">
+              <a:schemeClr val="phClr">
+                <a:satMod val="103000"/>
+                <a:lumMod val="102000"/>
+                <a:tint val="94000"/>
+              </a:schemeClr>
+            </a:gs>
+            <a:gs pos="50000">
+              <a:schemeClr val="phClr">
+                <a:satMod val="110000"/>
+                <a:lumMod val="100000"/>
+                <a:shade val="100000"/>
+              </a:schemeClr>
+            </a:gs>
+            <a:gs pos="100000">
+              <a:schemeClr val="phClr">
+                <a:lumMod val="99000"/>
+                <a:satMod val="120000"/>
+                <a:shade val="78000"/>
+              </a:schemeClr>
+            </a:gs>
+          </a:gsLst>
+          <a:lin ang="5400000" scaled="0"/>
+        </a:gradFill>
+      </a:fillStyleLst>
+      <a:lnStyleLst>
+        <a:ln w="12700" cap="flat" cmpd="sng" algn="ctr">
+          <a:solidFill>
+            <a:schemeClr val="phClr"/>
+          </a:solidFill>
+          <a:prstDash val="solid"/>
+          <a:miter lim="800000"/>
+        </a:ln>
+        <a:ln w="19050" cap="flat" cmpd="sng" algn="ctr">
+          <a:solidFill>
+            <a:schemeClr val="phClr"/>
+          </a:solidFill>
+          <a:prstDash val="solid"/>
+          <a:miter lim="800000"/>
+        </a:ln>
+        <a:ln w="25400" cap="flat" cmpd="sng" algn="ctr">
+          <a:solidFill>
+            <a:schemeClr val="phClr"/>
+          </a:solidFill>
+          <a:prstDash val="solid"/>
+          <a:miter lim="800000"/>
+        </a:ln>
+      </a:lnStyleLst>
+      <a:effectStyleLst>
+        <a:effectStyle>
+          <a:effectLst/>
+        </a:effectStyle>
+        <a:effectStyle>
+          <a:effectLst/>
+        </a:effectStyle>
+        <a:effectStyle>
+          <a:effectLst>
+            <a:outerShdw blurRad="57150" dist="19050" dir="5400000" algn="ctr" rotWithShape="0">
+              <a:srgbClr val="000000">
+                <a:alpha val="63000"/>
+              </a:srgbClr>
+            </a:outerShdw>
+          </a:effectLst>
+        </a:effectStyle>
+      </a:effectStyleLst>
+      <a:bgFillStyleLst>
+        <a:solidFill>
+          <a:schemeClr val="phClr"/>
+        </a:solidFill>
+        <a:solidFill>
+          <a:schemeClr val="phClr">
+            <a:tint val="95000"/>
+            <a:satMod val="170000"/>
+          </a:schemeClr>
+        </a:solidFill>
+        <a:gradFill rotWithShape="1">
+          <a:gsLst>
+            <a:gs pos="0">
+              <a:schemeClr val="phClr">
+                <a:tint val="93000"/>
+                <a:satMod val="150000"/>
+                <a:shade val="98000"/>
+                <a:lumMod val="102000"/>
+              </a:schemeClr>
+            </a:gs>
+            <a:gs pos="50000">
+              <a:schemeClr val="phClr">
+                <a:tint val="98000"/>
+                <a:satMod val="130000"/>
+                <a:shade val="90000"/>
+                <a:lumMod val="103000"/>
+              </a:schemeClr>
+            </a:gs>
+            <a:gs pos="100000">
+              <a:schemeClr val="phClr">
+                <a:shade val="63000"/>
+                <a:satMod val="120000"/>
+              </a:schemeClr>
+            </a:gs>
+          </a:gsLst>
+          <a:lin ang="5400000" scaled="0"/>
+        </a:gradFill>
+      </a:bgFillStyleLst>
+    </a:fmtScheme>
+  </a:themeElements>
+  <a:objectDefaults>
+    <a:lnDef>
+      <a:spPr/>
+      <a:bodyPr/>
+      <a:lstStyle/>
+      <a:style>
+        <a:lnRef idx="2">
+          <a:schemeClr val="accent1"/>
+        </a:lnRef>
+        <a:fillRef idx="0">
+          <a:schemeClr val="accent1"/>
+        </a:fillRef>
+        <a:effectRef idx="1">
+          <a:schemeClr val="accent1"/>
+        </a:effectRef>
+        <a:fontRef idx="minor">
+          <a:schemeClr val="tx1"/>
+        </a:fontRef>
+      </a:style>
+    </a:lnDef>
+  </a:objectDefaults>
+  <a:extraClrSchemeLst/>
+  <a:extLst>
+    <a:ext uri="{05A4C25C-085E-4340-85A3-A5531E510DB2}">
+      <thm15:themeFamily xmlns:thm15="http://schemas.microsoft.com/office/thememl/2012/main" name="Office Theme" id="{2E142A2C-CD16-42D6-873A-C26D2A0506FA}" vid="{1BDDFF52-6CD6-40A5-AB3C-68EB2F1E4D0A}"/>
+    </a:ext>
+  </a:extLst>
+</a:theme>
 </file>